--- a/Open-Source.pptx
+++ b/Open-Source.pptx
@@ -299,7 +299,7 @@
           </a:lstStyle>
           <a:p>
             <a:r>
-              <a:rPr lang="hu-HU" smtClean="0"/>
+              <a:rPr lang="hu-HU"/>
               <a:t>Mintacím szerkesztése</a:t>
             </a:r>
             <a:endParaRPr lang="en-US" dirty="0"/>
@@ -366,7 +366,7 @@
           </a:lstStyle>
           <a:p>
             <a:r>
-              <a:rPr lang="hu-HU" smtClean="0"/>
+              <a:rPr lang="hu-HU"/>
               <a:t>Kattintson ide az alcím mintájának szerkesztéséhez</a:t>
             </a:r>
             <a:endParaRPr lang="en-US" dirty="0"/>
@@ -634,7 +634,7 @@
           </a:lstStyle>
           <a:p>
             <a:r>
-              <a:rPr lang="hu-HU" smtClean="0"/>
+              <a:rPr lang="hu-HU"/>
               <a:t>Mintacím szerkesztése</a:t>
             </a:r>
             <a:endParaRPr lang="en-US" dirty="0"/>
@@ -710,7 +710,7 @@
           </a:lstStyle>
           <a:p>
             <a:r>
-              <a:rPr lang="hu-HU" smtClean="0"/>
+              <a:rPr lang="hu-HU"/>
               <a:t>Kép beszúrásához kattintson az ikonra</a:t>
             </a:r>
             <a:endParaRPr lang="en-US" dirty="0"/>
@@ -776,7 +776,7 @@
           <a:p>
             <a:pPr lvl="0"/>
             <a:r>
-              <a:rPr lang="hu-HU" smtClean="0"/>
+              <a:rPr lang="hu-HU"/>
               <a:t>Mintaszöveg szerkesztése</a:t>
             </a:r>
           </a:p>
@@ -1041,7 +1041,7 @@
           </a:lstStyle>
           <a:p>
             <a:r>
-              <a:rPr lang="hu-HU" smtClean="0"/>
+              <a:rPr lang="hu-HU"/>
               <a:t>Mintacím szerkesztése</a:t>
             </a:r>
             <a:endParaRPr lang="en-US" dirty="0"/>
@@ -1107,7 +1107,7 @@
           <a:p>
             <a:pPr lvl="0"/>
             <a:r>
-              <a:rPr lang="hu-HU" smtClean="0"/>
+              <a:rPr lang="hu-HU"/>
               <a:t>Mintaszöveg szerkesztése</a:t>
             </a:r>
           </a:p>
@@ -1372,7 +1372,7 @@
           </a:lstStyle>
           <a:p>
             <a:r>
-              <a:rPr lang="hu-HU" smtClean="0"/>
+              <a:rPr lang="hu-HU"/>
               <a:t>Mintacím szerkesztése</a:t>
             </a:r>
             <a:endParaRPr lang="en-US" dirty="0"/>
@@ -1440,7 +1440,7 @@
           <a:p>
             <a:pPr lvl="0"/>
             <a:r>
-              <a:rPr lang="hu-HU" smtClean="0"/>
+              <a:rPr lang="hu-HU"/>
               <a:t>Mintaszöveg szerkesztése</a:t>
             </a:r>
           </a:p>
@@ -1507,7 +1507,7 @@
           <a:p>
             <a:pPr lvl="0"/>
             <a:r>
-              <a:rPr lang="hu-HU" smtClean="0"/>
+              <a:rPr lang="hu-HU"/>
               <a:t>Mintaszöveg szerkesztése</a:t>
             </a:r>
           </a:p>
@@ -2004,7 +2004,7 @@
           </a:lstStyle>
           <a:p>
             <a:r>
-              <a:rPr lang="hu-HU" smtClean="0"/>
+              <a:rPr lang="hu-HU"/>
               <a:t>Mintacím szerkesztése</a:t>
             </a:r>
             <a:endParaRPr lang="en-US" dirty="0"/>
@@ -2070,7 +2070,7 @@
           <a:p>
             <a:pPr lvl="0"/>
             <a:r>
-              <a:rPr lang="hu-HU" smtClean="0"/>
+              <a:rPr lang="hu-HU"/>
               <a:t>Mintaszöveg szerkesztése</a:t>
             </a:r>
           </a:p>
@@ -2331,7 +2331,7 @@
           <a:lstStyle/>
           <a:p>
             <a:r>
-              <a:rPr lang="hu-HU" smtClean="0"/>
+              <a:rPr lang="hu-HU"/>
               <a:t>Mintacím szerkesztése</a:t>
             </a:r>
             <a:endParaRPr lang="en-US" dirty="0"/>
@@ -2403,7 +2403,7 @@
           <a:p>
             <a:pPr lvl="0"/>
             <a:r>
-              <a:rPr lang="hu-HU" smtClean="0"/>
+              <a:rPr lang="hu-HU"/>
               <a:t>Mintaszöveg szerkesztése</a:t>
             </a:r>
           </a:p>
@@ -2470,7 +2470,7 @@
           <a:p>
             <a:pPr lvl="0"/>
             <a:r>
-              <a:rPr lang="hu-HU" smtClean="0"/>
+              <a:rPr lang="hu-HU"/>
               <a:t>Mintaszöveg szerkesztése</a:t>
             </a:r>
           </a:p>
@@ -2541,7 +2541,7 @@
           <a:p>
             <a:pPr lvl="0"/>
             <a:r>
-              <a:rPr lang="hu-HU" smtClean="0"/>
+              <a:rPr lang="hu-HU"/>
               <a:t>Mintaszöveg szerkesztése</a:t>
             </a:r>
           </a:p>
@@ -2608,7 +2608,7 @@
           <a:p>
             <a:pPr lvl="0"/>
             <a:r>
-              <a:rPr lang="hu-HU" smtClean="0"/>
+              <a:rPr lang="hu-HU"/>
               <a:t>Mintaszöveg szerkesztése</a:t>
             </a:r>
           </a:p>
@@ -2679,7 +2679,7 @@
           <a:p>
             <a:pPr lvl="0"/>
             <a:r>
-              <a:rPr lang="hu-HU" smtClean="0"/>
+              <a:rPr lang="hu-HU"/>
               <a:t>Mintaszöveg szerkesztése</a:t>
             </a:r>
           </a:p>
@@ -2746,7 +2746,7 @@
           <a:p>
             <a:pPr lvl="0"/>
             <a:r>
-              <a:rPr lang="hu-HU" smtClean="0"/>
+              <a:rPr lang="hu-HU"/>
               <a:t>Mintaszöveg szerkesztése</a:t>
             </a:r>
           </a:p>
@@ -3002,7 +3002,7 @@
           <a:lstStyle/>
           <a:p>
             <a:r>
-              <a:rPr lang="hu-HU" smtClean="0"/>
+              <a:rPr lang="hu-HU"/>
               <a:t>Mintacím szerkesztése</a:t>
             </a:r>
             <a:endParaRPr lang="en-US" dirty="0"/>
@@ -3074,7 +3074,7 @@
           <a:p>
             <a:pPr lvl="0"/>
             <a:r>
-              <a:rPr lang="hu-HU" smtClean="0"/>
+              <a:rPr lang="hu-HU"/>
               <a:t>Mintaszöveg szerkesztése</a:t>
             </a:r>
           </a:p>
@@ -3152,7 +3152,7 @@
           </a:lstStyle>
           <a:p>
             <a:r>
-              <a:rPr lang="hu-HU" smtClean="0"/>
+              <a:rPr lang="hu-HU"/>
               <a:t>Kép beszúrásához kattintson az ikonra</a:t>
             </a:r>
             <a:endParaRPr lang="en-US" dirty="0"/>
@@ -3220,7 +3220,7 @@
           <a:p>
             <a:pPr lvl="0"/>
             <a:r>
-              <a:rPr lang="hu-HU" smtClean="0"/>
+              <a:rPr lang="hu-HU"/>
               <a:t>Mintaszöveg szerkesztése</a:t>
             </a:r>
           </a:p>
@@ -3291,7 +3291,7 @@
           <a:p>
             <a:pPr lvl="0"/>
             <a:r>
-              <a:rPr lang="hu-HU" smtClean="0"/>
+              <a:rPr lang="hu-HU"/>
               <a:t>Mintaszöveg szerkesztése</a:t>
             </a:r>
           </a:p>
@@ -3369,7 +3369,7 @@
           </a:lstStyle>
           <a:p>
             <a:r>
-              <a:rPr lang="hu-HU" smtClean="0"/>
+              <a:rPr lang="hu-HU"/>
               <a:t>Kép beszúrásához kattintson az ikonra</a:t>
             </a:r>
             <a:endParaRPr lang="en-US" dirty="0"/>
@@ -3437,7 +3437,7 @@
           <a:p>
             <a:pPr lvl="0"/>
             <a:r>
-              <a:rPr lang="hu-HU" smtClean="0"/>
+              <a:rPr lang="hu-HU"/>
               <a:t>Mintaszöveg szerkesztése</a:t>
             </a:r>
           </a:p>
@@ -3508,7 +3508,7 @@
           <a:p>
             <a:pPr lvl="0"/>
             <a:r>
-              <a:rPr lang="hu-HU" smtClean="0"/>
+              <a:rPr lang="hu-HU"/>
               <a:t>Mintaszöveg szerkesztése</a:t>
             </a:r>
           </a:p>
@@ -3586,7 +3586,7 @@
           </a:lstStyle>
           <a:p>
             <a:r>
-              <a:rPr lang="hu-HU" smtClean="0"/>
+              <a:rPr lang="hu-HU"/>
               <a:t>Kép beszúrásához kattintson az ikonra</a:t>
             </a:r>
             <a:endParaRPr lang="en-US" dirty="0"/>
@@ -3654,7 +3654,7 @@
           <a:p>
             <a:pPr lvl="0"/>
             <a:r>
-              <a:rPr lang="hu-HU" smtClean="0"/>
+              <a:rPr lang="hu-HU"/>
               <a:t>Mintaszöveg szerkesztése</a:t>
             </a:r>
           </a:p>
@@ -3909,7 +3909,7 @@
           </a:lstStyle>
           <a:p>
             <a:r>
-              <a:rPr lang="hu-HU" smtClean="0"/>
+              <a:rPr lang="hu-HU"/>
               <a:t>Mintacím szerkesztése</a:t>
             </a:r>
             <a:endParaRPr lang="en-US" dirty="0"/>
@@ -3933,35 +3933,35 @@
           <a:p>
             <a:pPr lvl="0"/>
             <a:r>
-              <a:rPr lang="hu-HU" smtClean="0"/>
+              <a:rPr lang="hu-HU"/>
               <a:t>Mintaszöveg szerkesztése</a:t>
             </a:r>
           </a:p>
           <a:p>
             <a:pPr lvl="1"/>
             <a:r>
-              <a:rPr lang="hu-HU" smtClean="0"/>
+              <a:rPr lang="hu-HU"/>
               <a:t>Második szint</a:t>
             </a:r>
           </a:p>
           <a:p>
             <a:pPr lvl="2"/>
             <a:r>
-              <a:rPr lang="hu-HU" smtClean="0"/>
+              <a:rPr lang="hu-HU"/>
               <a:t>Harmadik szint</a:t>
             </a:r>
           </a:p>
           <a:p>
             <a:pPr lvl="3"/>
             <a:r>
-              <a:rPr lang="hu-HU" smtClean="0"/>
+              <a:rPr lang="hu-HU"/>
               <a:t>Negyedik szint</a:t>
             </a:r>
           </a:p>
           <a:p>
             <a:pPr lvl="4"/>
             <a:r>
-              <a:rPr lang="hu-HU" smtClean="0"/>
+              <a:rPr lang="hu-HU"/>
               <a:t>Ötödik szint</a:t>
             </a:r>
             <a:endParaRPr lang="en-US" dirty="0"/>
@@ -4158,7 +4158,7 @@
           <a:lstStyle/>
           <a:p>
             <a:r>
-              <a:rPr lang="hu-HU" smtClean="0"/>
+              <a:rPr lang="hu-HU"/>
               <a:t>Mintacím szerkesztése</a:t>
             </a:r>
             <a:endParaRPr lang="en-US" dirty="0"/>
@@ -4187,35 +4187,35 @@
           <a:p>
             <a:pPr lvl="0"/>
             <a:r>
-              <a:rPr lang="hu-HU" smtClean="0"/>
+              <a:rPr lang="hu-HU"/>
               <a:t>Mintaszöveg szerkesztése</a:t>
             </a:r>
           </a:p>
           <a:p>
             <a:pPr lvl="1"/>
             <a:r>
-              <a:rPr lang="hu-HU" smtClean="0"/>
+              <a:rPr lang="hu-HU"/>
               <a:t>Második szint</a:t>
             </a:r>
           </a:p>
           <a:p>
             <a:pPr lvl="2"/>
             <a:r>
-              <a:rPr lang="hu-HU" smtClean="0"/>
+              <a:rPr lang="hu-HU"/>
               <a:t>Harmadik szint</a:t>
             </a:r>
           </a:p>
           <a:p>
             <a:pPr lvl="3"/>
             <a:r>
-              <a:rPr lang="hu-HU" smtClean="0"/>
+              <a:rPr lang="hu-HU"/>
               <a:t>Negyedik szint</a:t>
             </a:r>
           </a:p>
           <a:p>
             <a:pPr lvl="4"/>
             <a:r>
-              <a:rPr lang="hu-HU" smtClean="0"/>
+              <a:rPr lang="hu-HU"/>
               <a:t>Ötödik szint</a:t>
             </a:r>
             <a:endParaRPr lang="en-US" dirty="0"/>
@@ -4487,7 +4487,7 @@
           <a:lstStyle/>
           <a:p>
             <a:r>
-              <a:rPr lang="hu-HU" smtClean="0"/>
+              <a:rPr lang="hu-HU"/>
               <a:t>Mintacím szerkesztése</a:t>
             </a:r>
             <a:endParaRPr lang="en-US" dirty="0"/>
@@ -4511,35 +4511,35 @@
           <a:p>
             <a:pPr lvl="0"/>
             <a:r>
-              <a:rPr lang="hu-HU" smtClean="0"/>
+              <a:rPr lang="hu-HU"/>
               <a:t>Mintaszöveg szerkesztése</a:t>
             </a:r>
           </a:p>
           <a:p>
             <a:pPr lvl="1"/>
             <a:r>
-              <a:rPr lang="hu-HU" smtClean="0"/>
+              <a:rPr lang="hu-HU"/>
               <a:t>Második szint</a:t>
             </a:r>
           </a:p>
           <a:p>
             <a:pPr lvl="2"/>
             <a:r>
-              <a:rPr lang="hu-HU" smtClean="0"/>
+              <a:rPr lang="hu-HU"/>
               <a:t>Harmadik szint</a:t>
             </a:r>
           </a:p>
           <a:p>
             <a:pPr lvl="3"/>
             <a:r>
-              <a:rPr lang="hu-HU" smtClean="0"/>
+              <a:rPr lang="hu-HU"/>
               <a:t>Negyedik szint</a:t>
             </a:r>
           </a:p>
           <a:p>
             <a:pPr lvl="4"/>
             <a:r>
-              <a:rPr lang="hu-HU" smtClean="0"/>
+              <a:rPr lang="hu-HU"/>
               <a:t>Ötödik szint</a:t>
             </a:r>
             <a:endParaRPr lang="en-US" dirty="0"/>
@@ -4802,7 +4802,7 @@
           </a:lstStyle>
           <a:p>
             <a:r>
-              <a:rPr lang="hu-HU" smtClean="0"/>
+              <a:rPr lang="hu-HU"/>
               <a:t>Mintacím szerkesztése</a:t>
             </a:r>
             <a:endParaRPr lang="en-US" dirty="0"/>
@@ -4924,7 +4924,7 @@
           <a:p>
             <a:pPr lvl="0"/>
             <a:r>
-              <a:rPr lang="hu-HU" smtClean="0"/>
+              <a:rPr lang="hu-HU"/>
               <a:t>Mintaszöveg szerkesztése</a:t>
             </a:r>
           </a:p>
@@ -5180,7 +5180,7 @@
           <a:lstStyle/>
           <a:p>
             <a:r>
-              <a:rPr lang="hu-HU" smtClean="0"/>
+              <a:rPr lang="hu-HU"/>
               <a:t>Mintacím szerkesztése</a:t>
             </a:r>
             <a:endParaRPr lang="en-US" dirty="0"/>
@@ -5209,35 +5209,35 @@
           <a:p>
             <a:pPr lvl="0"/>
             <a:r>
-              <a:rPr lang="hu-HU" smtClean="0"/>
+              <a:rPr lang="hu-HU"/>
               <a:t>Mintaszöveg szerkesztése</a:t>
             </a:r>
           </a:p>
           <a:p>
             <a:pPr lvl="1"/>
             <a:r>
-              <a:rPr lang="hu-HU" smtClean="0"/>
+              <a:rPr lang="hu-HU"/>
               <a:t>Második szint</a:t>
             </a:r>
           </a:p>
           <a:p>
             <a:pPr lvl="2"/>
             <a:r>
-              <a:rPr lang="hu-HU" smtClean="0"/>
+              <a:rPr lang="hu-HU"/>
               <a:t>Harmadik szint</a:t>
             </a:r>
           </a:p>
           <a:p>
             <a:pPr lvl="3"/>
             <a:r>
-              <a:rPr lang="hu-HU" smtClean="0"/>
+              <a:rPr lang="hu-HU"/>
               <a:t>Negyedik szint</a:t>
             </a:r>
           </a:p>
           <a:p>
             <a:pPr lvl="4"/>
             <a:r>
-              <a:rPr lang="hu-HU" smtClean="0"/>
+              <a:rPr lang="hu-HU"/>
               <a:t>Ötödik szint</a:t>
             </a:r>
             <a:endParaRPr lang="en-US" dirty="0"/>
@@ -5266,35 +5266,35 @@
           <a:p>
             <a:pPr lvl="0"/>
             <a:r>
-              <a:rPr lang="hu-HU" smtClean="0"/>
+              <a:rPr lang="hu-HU"/>
               <a:t>Mintaszöveg szerkesztése</a:t>
             </a:r>
           </a:p>
           <a:p>
             <a:pPr lvl="1"/>
             <a:r>
-              <a:rPr lang="hu-HU" smtClean="0"/>
+              <a:rPr lang="hu-HU"/>
               <a:t>Második szint</a:t>
             </a:r>
           </a:p>
           <a:p>
             <a:pPr lvl="2"/>
             <a:r>
-              <a:rPr lang="hu-HU" smtClean="0"/>
+              <a:rPr lang="hu-HU"/>
               <a:t>Harmadik szint</a:t>
             </a:r>
           </a:p>
           <a:p>
             <a:pPr lvl="3"/>
             <a:r>
-              <a:rPr lang="hu-HU" smtClean="0"/>
+              <a:rPr lang="hu-HU"/>
               <a:t>Negyedik szint</a:t>
             </a:r>
           </a:p>
           <a:p>
             <a:pPr lvl="4"/>
             <a:r>
-              <a:rPr lang="hu-HU" smtClean="0"/>
+              <a:rPr lang="hu-HU"/>
               <a:t>Ötödik szint</a:t>
             </a:r>
             <a:endParaRPr lang="en-US" dirty="0"/>
@@ -5551,7 +5551,7 @@
           <a:lstStyle/>
           <a:p>
             <a:r>
-              <a:rPr lang="hu-HU" smtClean="0"/>
+              <a:rPr lang="hu-HU"/>
               <a:t>Mintacím szerkesztése</a:t>
             </a:r>
             <a:endParaRPr lang="en-US" dirty="0"/>
@@ -5617,7 +5617,7 @@
           <a:p>
             <a:pPr lvl="0"/>
             <a:r>
-              <a:rPr lang="hu-HU" smtClean="0"/>
+              <a:rPr lang="hu-HU"/>
               <a:t>Mintaszöveg szerkesztése</a:t>
             </a:r>
           </a:p>
@@ -5645,35 +5645,35 @@
           <a:p>
             <a:pPr lvl="0"/>
             <a:r>
-              <a:rPr lang="hu-HU" smtClean="0"/>
+              <a:rPr lang="hu-HU"/>
               <a:t>Mintaszöveg szerkesztése</a:t>
             </a:r>
           </a:p>
           <a:p>
             <a:pPr lvl="1"/>
             <a:r>
-              <a:rPr lang="hu-HU" smtClean="0"/>
+              <a:rPr lang="hu-HU"/>
               <a:t>Második szint</a:t>
             </a:r>
           </a:p>
           <a:p>
             <a:pPr lvl="2"/>
             <a:r>
-              <a:rPr lang="hu-HU" smtClean="0"/>
+              <a:rPr lang="hu-HU"/>
               <a:t>Harmadik szint</a:t>
             </a:r>
           </a:p>
           <a:p>
             <a:pPr lvl="3"/>
             <a:r>
-              <a:rPr lang="hu-HU" smtClean="0"/>
+              <a:rPr lang="hu-HU"/>
               <a:t>Negyedik szint</a:t>
             </a:r>
           </a:p>
           <a:p>
             <a:pPr lvl="4"/>
             <a:r>
-              <a:rPr lang="hu-HU" smtClean="0"/>
+              <a:rPr lang="hu-HU"/>
               <a:t>Ötödik szint</a:t>
             </a:r>
             <a:endParaRPr lang="en-US" dirty="0"/>
@@ -5739,7 +5739,7 @@
           <a:p>
             <a:pPr lvl="0"/>
             <a:r>
-              <a:rPr lang="hu-HU" smtClean="0"/>
+              <a:rPr lang="hu-HU"/>
               <a:t>Mintaszöveg szerkesztése</a:t>
             </a:r>
           </a:p>
@@ -5767,35 +5767,35 @@
           <a:p>
             <a:pPr lvl="0"/>
             <a:r>
-              <a:rPr lang="hu-HU" smtClean="0"/>
+              <a:rPr lang="hu-HU"/>
               <a:t>Mintaszöveg szerkesztése</a:t>
             </a:r>
           </a:p>
           <a:p>
             <a:pPr lvl="1"/>
             <a:r>
-              <a:rPr lang="hu-HU" smtClean="0"/>
+              <a:rPr lang="hu-HU"/>
               <a:t>Második szint</a:t>
             </a:r>
           </a:p>
           <a:p>
             <a:pPr lvl="2"/>
             <a:r>
-              <a:rPr lang="hu-HU" smtClean="0"/>
+              <a:rPr lang="hu-HU"/>
               <a:t>Harmadik szint</a:t>
             </a:r>
           </a:p>
           <a:p>
             <a:pPr lvl="3"/>
             <a:r>
-              <a:rPr lang="hu-HU" smtClean="0"/>
+              <a:rPr lang="hu-HU"/>
               <a:t>Negyedik szint</a:t>
             </a:r>
           </a:p>
           <a:p>
             <a:pPr lvl="4"/>
             <a:r>
-              <a:rPr lang="hu-HU" smtClean="0"/>
+              <a:rPr lang="hu-HU"/>
               <a:t>Ötödik szint</a:t>
             </a:r>
             <a:endParaRPr lang="en-US" dirty="0"/>
@@ -6047,7 +6047,7 @@
           <a:lstStyle/>
           <a:p>
             <a:r>
-              <a:rPr lang="hu-HU" smtClean="0"/>
+              <a:rPr lang="hu-HU"/>
               <a:t>Mintacím szerkesztése</a:t>
             </a:r>
             <a:endParaRPr lang="en-US" dirty="0"/>
@@ -6468,7 +6468,7 @@
           </a:lstStyle>
           <a:p>
             <a:r>
-              <a:rPr lang="hu-HU" smtClean="0"/>
+              <a:rPr lang="hu-HU"/>
               <a:t>Mintacím szerkesztése</a:t>
             </a:r>
             <a:endParaRPr lang="en-US" dirty="0"/>
@@ -6497,35 +6497,35 @@
           <a:p>
             <a:pPr lvl="0"/>
             <a:r>
-              <a:rPr lang="hu-HU" smtClean="0"/>
+              <a:rPr lang="hu-HU"/>
               <a:t>Mintaszöveg szerkesztése</a:t>
             </a:r>
           </a:p>
           <a:p>
             <a:pPr lvl="1"/>
             <a:r>
-              <a:rPr lang="hu-HU" smtClean="0"/>
+              <a:rPr lang="hu-HU"/>
               <a:t>Második szint</a:t>
             </a:r>
           </a:p>
           <a:p>
             <a:pPr lvl="2"/>
             <a:r>
-              <a:rPr lang="hu-HU" smtClean="0"/>
+              <a:rPr lang="hu-HU"/>
               <a:t>Harmadik szint</a:t>
             </a:r>
           </a:p>
           <a:p>
             <a:pPr lvl="3"/>
             <a:r>
-              <a:rPr lang="hu-HU" smtClean="0"/>
+              <a:rPr lang="hu-HU"/>
               <a:t>Negyedik szint</a:t>
             </a:r>
           </a:p>
           <a:p>
             <a:pPr lvl="4"/>
             <a:r>
-              <a:rPr lang="hu-HU" smtClean="0"/>
+              <a:rPr lang="hu-HU"/>
               <a:t>Ötödik szint</a:t>
             </a:r>
             <a:endParaRPr lang="en-US" dirty="0"/>
@@ -6591,7 +6591,7 @@
           <a:p>
             <a:pPr lvl="0"/>
             <a:r>
-              <a:rPr lang="hu-HU" smtClean="0"/>
+              <a:rPr lang="hu-HU"/>
               <a:t>Mintaszöveg szerkesztése</a:t>
             </a:r>
           </a:p>
@@ -6853,7 +6853,7 @@
           </a:lstStyle>
           <a:p>
             <a:r>
-              <a:rPr lang="hu-HU" smtClean="0"/>
+              <a:rPr lang="hu-HU"/>
               <a:t>Mintacím szerkesztése</a:t>
             </a:r>
             <a:endParaRPr lang="en-US" dirty="0"/>
@@ -6929,7 +6929,7 @@
           </a:lstStyle>
           <a:p>
             <a:r>
-              <a:rPr lang="hu-HU" smtClean="0"/>
+              <a:rPr lang="hu-HU"/>
               <a:t>Kép beszúrásához kattintson az ikonra</a:t>
             </a:r>
             <a:endParaRPr lang="en-US" dirty="0"/>
@@ -6995,7 +6995,7 @@
           <a:p>
             <a:pPr lvl="0"/>
             <a:r>
-              <a:rPr lang="hu-HU" smtClean="0"/>
+              <a:rPr lang="hu-HU"/>
               <a:t>Mintaszöveg szerkesztése</a:t>
             </a:r>
           </a:p>
@@ -7153,7 +7153,7 @@
           <a:lstStyle/>
           <a:p>
             <a:r>
-              <a:rPr lang="hu-HU" smtClean="0"/>
+              <a:rPr lang="hu-HU"/>
               <a:t>Mintacím szerkesztése</a:t>
             </a:r>
             <a:endParaRPr lang="en-US" dirty="0"/>
@@ -7187,35 +7187,35 @@
           <a:p>
             <a:pPr lvl="0"/>
             <a:r>
-              <a:rPr lang="hu-HU" smtClean="0"/>
+              <a:rPr lang="hu-HU"/>
               <a:t>Mintaszöveg szerkesztése</a:t>
             </a:r>
           </a:p>
           <a:p>
             <a:pPr lvl="1"/>
             <a:r>
-              <a:rPr lang="hu-HU" smtClean="0"/>
+              <a:rPr lang="hu-HU"/>
               <a:t>Második szint</a:t>
             </a:r>
           </a:p>
           <a:p>
             <a:pPr lvl="2"/>
             <a:r>
-              <a:rPr lang="hu-HU" smtClean="0"/>
+              <a:rPr lang="hu-HU"/>
               <a:t>Harmadik szint</a:t>
             </a:r>
           </a:p>
           <a:p>
             <a:pPr lvl="3"/>
             <a:r>
-              <a:rPr lang="hu-HU" smtClean="0"/>
+              <a:rPr lang="hu-HU"/>
               <a:t>Negyedik szint</a:t>
             </a:r>
           </a:p>
           <a:p>
             <a:pPr lvl="4"/>
             <a:r>
-              <a:rPr lang="hu-HU" smtClean="0"/>
+              <a:rPr lang="hu-HU"/>
               <a:t>Ötödik szint</a:t>
             </a:r>
             <a:endParaRPr lang="en-US" dirty="0"/>
@@ -7681,10 +7681,9 @@
           <a:lstStyle/>
           <a:p>
             <a:r>
-              <a:rPr lang="hu-HU" dirty="0" smtClean="0"/>
+              <a:rPr lang="hu-HU" dirty="0"/>
               <a:t>Open-Source</a:t>
             </a:r>
-            <a:endParaRPr lang="hu-HU" dirty="0"/>
           </a:p>
         </p:txBody>
       </p:sp>
@@ -7711,7 +7710,7 @@
           <a:lstStyle/>
           <a:p>
             <a:r>
-              <a:rPr lang="hu-HU" sz="2400" dirty="0" smtClean="0"/>
+              <a:rPr lang="hu-HU" sz="2400" dirty="0"/>
               <a:t>Készítette:</a:t>
             </a:r>
           </a:p>
@@ -7721,7 +7720,7 @@
               <a:buChar char="•"/>
             </a:pPr>
             <a:r>
-              <a:rPr lang="hu-HU" sz="2000" dirty="0" smtClean="0"/>
+              <a:rPr lang="hu-HU" sz="2000" dirty="0"/>
               <a:t>Kecskés Zsolt István</a:t>
             </a:r>
           </a:p>
@@ -7731,7 +7730,7 @@
               <a:buChar char="•"/>
             </a:pPr>
             <a:r>
-              <a:rPr lang="hu-HU" sz="2000" dirty="0" smtClean="0"/>
+              <a:rPr lang="hu-HU" sz="2000" dirty="0"/>
               <a:t>Mojzes Ervin</a:t>
             </a:r>
           </a:p>
@@ -7741,7 +7740,7 @@
               <a:buChar char="•"/>
             </a:pPr>
             <a:r>
-              <a:rPr lang="hu-HU" sz="2000" dirty="0" smtClean="0"/>
+              <a:rPr lang="hu-HU" sz="2000" dirty="0"/>
               <a:t>Somodi Konrád</a:t>
             </a:r>
           </a:p>
@@ -7793,10 +7792,9 @@
           <a:lstStyle/>
           <a:p>
             <a:r>
-              <a:rPr lang="hu-HU" dirty="0" smtClean="0"/>
+              <a:rPr lang="hu-HU" dirty="0"/>
               <a:t>Felhasznált programok</a:t>
             </a:r>
-            <a:endParaRPr lang="hu-HU" dirty="0"/>
           </a:p>
         </p:txBody>
       </p:sp>
@@ -7966,27 +7964,85 @@
           <a:lstStyle/>
           <a:p>
             <a:r>
-              <a:rPr lang="hu-HU" dirty="0" smtClean="0"/>
+              <a:rPr lang="hu-HU" dirty="0"/>
               <a:t>Somodi Konrád – CSS/Telefonos nézet</a:t>
             </a:r>
+          </a:p>
+        </p:txBody>
+      </p:sp>
+      <p:sp>
+        <p:nvSpPr>
+          <p:cNvPr id="3" name="Tartalom helye 2"/>
+          <p:cNvSpPr>
+            <a:spLocks noGrp="1"/>
+          </p:cNvSpPr>
+          <p:nvPr>
+            <p:ph idx="1"/>
+          </p:nvPr>
+        </p:nvSpPr>
+        <p:spPr>
+          <a:xfrm>
+            <a:off x="680321" y="2336873"/>
+            <a:ext cx="9613861" cy="2817018"/>
+          </a:xfrm>
+        </p:spPr>
+        <p:txBody>
+          <a:bodyPr>
+            <a:normAutofit/>
+          </a:bodyPr>
+          <a:lstStyle/>
+          <a:p>
+            <a:r>
+              <a:rPr lang="hu-HU" dirty="0"/>
+              <a:t>Reszponzivitás</a:t>
+            </a:r>
+          </a:p>
+          <a:p>
+            <a:r>
+              <a:rPr lang="hu-HU" dirty="0"/>
+              <a:t>Oldalak színbeállításai</a:t>
+            </a:r>
+          </a:p>
+          <a:p>
+            <a:r>
+              <a:rPr lang="hu-HU" dirty="0"/>
+              <a:t>Névjegy oldal tartalma</a:t>
+            </a:r>
+          </a:p>
+          <a:p>
+            <a:r>
+              <a:rPr lang="hu-HU" dirty="0"/>
+              <a:t>Telefonos nézet megtervezése és megvalósítása(Először </a:t>
+            </a:r>
+            <a:r>
+              <a:rPr lang="hu-HU" dirty="0" err="1"/>
+              <a:t>Figma</a:t>
+            </a:r>
+            <a:r>
+              <a:rPr lang="hu-HU" dirty="0"/>
+              <a:t>-ban, majd VS </a:t>
+            </a:r>
+            <a:r>
+              <a:rPr lang="hu-HU" dirty="0" err="1"/>
+              <a:t>Code</a:t>
+            </a:r>
+            <a:r>
+              <a:rPr lang="hu-HU" dirty="0"/>
+              <a:t>-ban)</a:t>
+            </a:r>
+          </a:p>
+          <a:p>
+            <a:r>
+              <a:rPr lang="hu-HU" dirty="0"/>
+              <a:t>Főoldal tartalmának megírása</a:t>
+            </a:r>
+          </a:p>
+          <a:p>
             <a:endParaRPr lang="hu-HU" dirty="0"/>
           </a:p>
-        </p:txBody>
-      </p:sp>
-      <p:sp>
-        <p:nvSpPr>
-          <p:cNvPr id="3" name="Tartalom helye 2"/>
-          <p:cNvSpPr>
-            <a:spLocks noGrp="1"/>
-          </p:cNvSpPr>
-          <p:nvPr>
-            <p:ph idx="1"/>
-          </p:nvPr>
-        </p:nvSpPr>
-        <p:spPr/>
-        <p:txBody>
-          <a:bodyPr/>
-          <a:lstStyle/>
+          <a:p>
+            <a:endParaRPr lang="hu-HU" dirty="0"/>
+          </a:p>
           <a:p>
             <a:endParaRPr lang="hu-HU" dirty="0"/>
           </a:p>
@@ -8038,22 +8094,21 @@
           <a:lstStyle/>
           <a:p>
             <a:r>
-              <a:rPr lang="hu-HU" dirty="0" err="1" smtClean="0"/>
+              <a:rPr lang="hu-HU" dirty="0" err="1"/>
               <a:t>Mojzes</a:t>
             </a:r>
             <a:r>
-              <a:rPr lang="hu-HU" dirty="0" smtClean="0"/>
+              <a:rPr lang="hu-HU" dirty="0"/>
               <a:t> Ervin – CSS/</a:t>
             </a:r>
             <a:r>
-              <a:rPr lang="hu-HU" dirty="0" err="1" smtClean="0"/>
+              <a:rPr lang="hu-HU" dirty="0" err="1"/>
               <a:t>Tabletes</a:t>
             </a:r>
             <a:r>
-              <a:rPr lang="hu-HU" dirty="0" smtClean="0"/>
+              <a:rPr lang="hu-HU" dirty="0"/>
               <a:t> nézet</a:t>
             </a:r>
-            <a:endParaRPr lang="hu-HU" dirty="0"/>
           </a:p>
         </p:txBody>
       </p:sp>
@@ -8073,29 +8128,29 @@
           <a:lstStyle/>
           <a:p>
             <a:r>
-              <a:rPr lang="hu-HU" dirty="0" smtClean="0"/>
+              <a:rPr lang="hu-HU" dirty="0"/>
               <a:t>Főoldal tartalma, elrendezése</a:t>
             </a:r>
           </a:p>
           <a:p>
             <a:r>
-              <a:rPr lang="hu-HU" dirty="0" smtClean="0"/>
+              <a:rPr lang="hu-HU" dirty="0"/>
               <a:t>Névjegy oldal kinézeti szerkesztése</a:t>
             </a:r>
           </a:p>
           <a:p>
             <a:r>
-              <a:rPr lang="hu-HU" dirty="0" err="1" smtClean="0"/>
+              <a:rPr lang="hu-HU" dirty="0" err="1"/>
               <a:t>Tabletes</a:t>
             </a:r>
             <a:r>
-              <a:rPr lang="hu-HU" dirty="0" smtClean="0"/>
+              <a:rPr lang="hu-HU" dirty="0"/>
               <a:t> nézet megtervezése és megvalósítása</a:t>
             </a:r>
           </a:p>
           <a:p>
             <a:r>
-              <a:rPr lang="hu-HU" dirty="0" err="1" smtClean="0"/>
+              <a:rPr lang="hu-HU" dirty="0" err="1"/>
               <a:t>Reszponzivitás</a:t>
             </a:r>
             <a:endParaRPr lang="hu-HU" dirty="0"/>

--- a/Open-Source.pptx
+++ b/Open-Source.pptx
@@ -10,6 +10,14 @@
     <p:sldId id="258" r:id="rId4"/>
     <p:sldId id="259" r:id="rId5"/>
     <p:sldId id="260" r:id="rId6"/>
+    <p:sldId id="262" r:id="rId7"/>
+    <p:sldId id="263" r:id="rId8"/>
+    <p:sldId id="264" r:id="rId9"/>
+    <p:sldId id="265" r:id="rId10"/>
+    <p:sldId id="266" r:id="rId11"/>
+    <p:sldId id="267" r:id="rId12"/>
+    <p:sldId id="268" r:id="rId13"/>
+    <p:sldId id="269" r:id="rId14"/>
   </p:sldIdLst>
   <p:sldSz cx="12192000" cy="6858000"/>
   <p:notesSz cx="6858000" cy="9144000"/>
@@ -4030,7 +4038,7 @@
         <a:p>
           <a:r>
             <a:rPr lang="hu-HU" dirty="0"/>
-            <a:t>Asztali kinézetek és kinézet</a:t>
+            <a:t>Asztali tervek és kinézet</a:t>
           </a:r>
           <a:endParaRPr lang="en-US" dirty="0"/>
         </a:p>
@@ -4177,10 +4185,10 @@
         <a:lstStyle/>
         <a:p>
           <a:r>
-            <a:rPr lang="hu-HU"/>
+            <a:rPr lang="hu-HU" dirty="0"/>
             <a:t>Az összes JavaScript kód</a:t>
           </a:r>
-          <a:endParaRPr lang="en-US"/>
+          <a:endParaRPr lang="en-US" dirty="0"/>
         </a:p>
       </dgm:t>
     </dgm:pt>
@@ -5823,7 +5831,7 @@
           </a:pPr>
           <a:r>
             <a:rPr lang="hu-HU" sz="2300" kern="1200" dirty="0"/>
-            <a:t>Asztali kinézetek és kinézet</a:t>
+            <a:t>Asztali tervek és kinézet</a:t>
           </a:r>
           <a:endParaRPr lang="en-US" sz="2300" kern="1200" dirty="0"/>
         </a:p>
@@ -6246,10 +6254,10 @@
             <a:buNone/>
           </a:pPr>
           <a:r>
-            <a:rPr lang="hu-HU" sz="2300" kern="1200"/>
+            <a:rPr lang="hu-HU" sz="2300" kern="1200" dirty="0"/>
             <a:t>Az összes JavaScript kód</a:t>
           </a:r>
-          <a:endParaRPr lang="en-US" sz="2300" kern="1200"/>
+          <a:endParaRPr lang="en-US" sz="2300" kern="1200" dirty="0"/>
         </a:p>
       </dsp:txBody>
       <dsp:txXfrm>
@@ -11551,7 +11559,7 @@
           <a:p>
             <a:fld id="{397E0307-B85C-446A-8EF0-0407D435D787}" type="datetimeFigureOut">
               <a:rPr lang="en-US" smtClean="0"/>
-              <a:t>2/7/2023</a:t>
+              <a:t>2/8/2023</a:t>
             </a:fld>
             <a:endParaRPr lang="en-US" dirty="0"/>
           </a:p>
@@ -11965,7 +11973,7 @@
           <a:p>
             <a:fld id="{8BD862E7-95FA-4FC4-9EC5-DDBFA8DC7417}" type="datetimeFigureOut">
               <a:rPr lang="en-US" smtClean="0"/>
-              <a:t>2/7/2023</a:t>
+              <a:t>2/8/2023</a:t>
             </a:fld>
             <a:endParaRPr lang="en-US" dirty="0"/>
           </a:p>
@@ -12301,7 +12309,7 @@
           <a:p>
             <a:fld id="{8DB987F2-A784-4F72-BB57-0E9EACDE722E}" type="datetimeFigureOut">
               <a:rPr lang="en-US" smtClean="0"/>
-              <a:t>2/7/2023</a:t>
+              <a:t>2/8/2023</a:t>
             </a:fld>
             <a:endParaRPr lang="en-US" dirty="0"/>
           </a:p>
@@ -12706,7 +12714,7 @@
           <a:p>
             <a:fld id="{40BBD51E-4B19-444E-85C0-DBD7EB6263F4}" type="datetimeFigureOut">
               <a:rPr lang="en-US" smtClean="0"/>
-              <a:t>2/7/2023</a:t>
+              <a:t>2/8/2023</a:t>
             </a:fld>
             <a:endParaRPr lang="en-US" dirty="0"/>
           </a:p>
@@ -13274,7 +13282,7 @@
           <a:p>
             <a:fld id="{F0D7255A-4AD5-4D3E-9A0A-689DA3BA976C}" type="datetimeFigureOut">
               <a:rPr lang="en-US" smtClean="0"/>
-              <a:t>2/7/2023</a:t>
+              <a:t>2/8/2023</a:t>
             </a:fld>
             <a:endParaRPr lang="en-US" dirty="0"/>
           </a:p>
@@ -13955,7 +13963,7 @@
           <a:p>
             <a:fld id="{3EE0AD15-87AC-45B2-9EE5-8D165AF83CD7}" type="datetimeFigureOut">
               <a:rPr lang="en-US" smtClean="0"/>
-              <a:t>2/7/2023</a:t>
+              <a:t>2/8/2023</a:t>
             </a:fld>
             <a:endParaRPr lang="en-US" dirty="0"/>
           </a:p>
@@ -14868,7 +14876,7 @@
           <a:p>
             <a:fld id="{FCC40CCD-F0D6-4CC2-A4C8-2D7D0D875F02}" type="datetimeFigureOut">
               <a:rPr lang="en-US" smtClean="0"/>
-              <a:t>2/7/2023</a:t>
+              <a:t>2/8/2023</a:t>
             </a:fld>
             <a:endParaRPr lang="en-US" dirty="0"/>
           </a:p>
@@ -15181,7 +15189,7 @@
           <a:p>
             <a:fld id="{B3CFE2CC-454D-4466-AC55-B86DA0A87BAE}" type="datetimeFigureOut">
               <a:rPr lang="en-US" smtClean="0"/>
-              <a:t>2/7/2023</a:t>
+              <a:t>2/8/2023</a:t>
             </a:fld>
             <a:endParaRPr lang="en-US" dirty="0"/>
           </a:p>
@@ -15445,7 +15453,7 @@
           <a:p>
             <a:fld id="{B647B1BF-4039-460D-A637-65428CBD720E}" type="datetimeFigureOut">
               <a:rPr lang="en-US" smtClean="0"/>
-              <a:t>2/7/2023</a:t>
+              <a:t>2/8/2023</a:t>
             </a:fld>
             <a:endParaRPr lang="en-US" dirty="0"/>
           </a:p>
@@ -15769,7 +15777,7 @@
           <a:p>
             <a:fld id="{AAA39ACE-9343-4EBE-B5CA-AEA240A1DC53}" type="datetimeFigureOut">
               <a:rPr lang="en-US" smtClean="0"/>
-              <a:t>2/7/2023</a:t>
+              <a:t>2/8/2023</a:t>
             </a:fld>
             <a:endParaRPr lang="en-US" dirty="0"/>
           </a:p>
@@ -16158,7 +16166,7 @@
           <a:p>
             <a:fld id="{C9A00F7B-89C5-4DF7-A309-6263220147D4}" type="datetimeFigureOut">
               <a:rPr lang="en-US" smtClean="0"/>
-              <a:t>2/7/2023</a:t>
+              <a:t>2/8/2023</a:t>
             </a:fld>
             <a:endParaRPr lang="en-US" dirty="0"/>
           </a:p>
@@ -16534,7 +16542,7 @@
           <a:p>
             <a:fld id="{449C95DE-FD64-4606-AE61-EC1136867CC6}" type="datetimeFigureOut">
               <a:rPr lang="en-US" smtClean="0"/>
-              <a:t>2/7/2023</a:t>
+              <a:t>2/8/2023</a:t>
             </a:fld>
             <a:endParaRPr lang="en-US" dirty="0"/>
           </a:p>
@@ -17040,7 +17048,7 @@
           <a:p>
             <a:fld id="{5DEB0BBD-30FE-4CF1-900A-0C45149F8AF8}" type="datetimeFigureOut">
               <a:rPr lang="en-US" smtClean="0"/>
-              <a:t>2/7/2023</a:t>
+              <a:t>2/8/2023</a:t>
             </a:fld>
             <a:endParaRPr lang="en-US" dirty="0"/>
           </a:p>
@@ -17297,7 +17305,7 @@
           <a:p>
             <a:fld id="{B91A5F7F-3E81-4C65-A4D1-CB62D5B9DB91}" type="datetimeFigureOut">
               <a:rPr lang="en-US" smtClean="0"/>
-              <a:t>2/7/2023</a:t>
+              <a:t>2/8/2023</a:t>
             </a:fld>
             <a:endParaRPr lang="en-US" dirty="0"/>
           </a:p>
@@ -17460,7 +17468,7 @@
           <a:p>
             <a:fld id="{377ECC86-1672-4627-AEFE-EC5485C73905}" type="datetimeFigureOut">
               <a:rPr lang="en-US" smtClean="0"/>
-              <a:t>2/7/2023</a:t>
+              <a:t>2/8/2023</a:t>
             </a:fld>
             <a:endParaRPr lang="en-US" dirty="0"/>
           </a:p>
@@ -17850,7 +17858,7 @@
           <a:p>
             <a:fld id="{3CDCB01F-D966-4C62-B900-0BE008A90C98}" type="datetimeFigureOut">
               <a:rPr lang="en-US" smtClean="0"/>
-              <a:t>2/7/2023</a:t>
+              <a:t>2/8/2023</a:t>
             </a:fld>
             <a:endParaRPr lang="en-US" dirty="0"/>
           </a:p>
@@ -18259,7 +18267,7 @@
           <a:p>
             <a:fld id="{5E73A0EA-7DC7-4964-BB97-B173EF3B859A}" type="datetimeFigureOut">
               <a:rPr lang="en-US" smtClean="0"/>
-              <a:t>2/7/2023</a:t>
+              <a:t>2/8/2023</a:t>
             </a:fld>
             <a:endParaRPr lang="en-US" dirty="0"/>
           </a:p>
@@ -18503,7 +18511,7 @@
           <a:p>
             <a:fld id="{30EF52CC-F3D9-41D4-BCE4-C208E61A3F31}" type="datetimeFigureOut">
               <a:rPr lang="en-US" smtClean="0"/>
-              <a:t>2/7/2023</a:t>
+              <a:t>2/8/2023</a:t>
             </a:fld>
             <a:endParaRPr lang="en-US" dirty="0"/>
           </a:p>
@@ -19006,6 +19014,1268 @@
     <p:extLst>
       <p:ext uri="{BB962C8B-B14F-4D97-AF65-F5344CB8AC3E}">
         <p14:creationId xmlns:p14="http://schemas.microsoft.com/office/powerpoint/2010/main" val="4252397473"/>
+      </p:ext>
+    </p:extLst>
+  </p:cSld>
+  <p:clrMapOvr>
+    <a:masterClrMapping/>
+  </p:clrMapOvr>
+</p:sld>
+</file>
+
+<file path=ppt/slides/slide10.xml><?xml version="1.0" encoding="utf-8"?>
+<p:sld xmlns:a="http://schemas.openxmlformats.org/drawingml/2006/main" xmlns:r="http://schemas.openxmlformats.org/officeDocument/2006/relationships" xmlns:p="http://schemas.openxmlformats.org/presentationml/2006/main">
+  <p:cSld>
+    <p:bg>
+      <p:bgPr>
+        <a:gradFill rotWithShape="1">
+          <a:gsLst>
+            <a:gs pos="0">
+              <a:schemeClr val="bg2">
+                <a:tint val="96000"/>
+                <a:shade val="100000"/>
+                <a:hueMod val="92000"/>
+                <a:satMod val="200000"/>
+                <a:lumMod val="128000"/>
+              </a:schemeClr>
+            </a:gs>
+            <a:gs pos="50000">
+              <a:schemeClr val="bg2">
+                <a:shade val="100000"/>
+                <a:hueMod val="100000"/>
+                <a:satMod val="110000"/>
+                <a:lumMod val="130000"/>
+              </a:schemeClr>
+            </a:gs>
+            <a:gs pos="100000">
+              <a:schemeClr val="bg2">
+                <a:shade val="78000"/>
+                <a:hueMod val="118000"/>
+                <a:satMod val="120000"/>
+                <a:lumMod val="69000"/>
+              </a:schemeClr>
+            </a:gs>
+          </a:gsLst>
+          <a:lin ang="2520000" scaled="0"/>
+        </a:gradFill>
+        <a:effectLst/>
+      </p:bgPr>
+    </p:bg>
+    <p:spTree>
+      <p:nvGrpSpPr>
+        <p:cNvPr id="1" name=""/>
+        <p:cNvGrpSpPr/>
+        <p:nvPr/>
+      </p:nvGrpSpPr>
+      <p:grpSpPr>
+        <a:xfrm>
+          <a:off x="0" y="0"/>
+          <a:ext cx="0" cy="0"/>
+          <a:chOff x="0" y="0"/>
+          <a:chExt cx="0" cy="0"/>
+        </a:xfrm>
+      </p:grpSpPr>
+      <p:sp useBgFill="1">
+        <p:nvSpPr>
+          <p:cNvPr id="33" name="Rectangle 22">
+            <a:extLst>
+              <a:ext uri="{FF2B5EF4-FFF2-40B4-BE49-F238E27FC236}">
+                <a16:creationId xmlns:a16="http://schemas.microsoft.com/office/drawing/2014/main" id="{8DCA3673-CDE4-40C5-9FA8-F89874CFBA73}"/>
+              </a:ext>
+              <a:ext uri="{C183D7F6-B498-43B3-948B-1728B52AA6E4}">
+                <adec:decorative xmlns:adec="http://schemas.microsoft.com/office/drawing/2017/decorative" val="1"/>
+              </a:ext>
+            </a:extLst>
+          </p:cNvPr>
+          <p:cNvSpPr>
+            <a:spLocks noGrp="1" noRot="1" noChangeAspect="1" noMove="1" noResize="1" noEditPoints="1" noAdjustHandles="1" noChangeArrowheads="1" noChangeShapeType="1" noTextEdit="1"/>
+          </p:cNvSpPr>
+          <p:nvPr>
+            <p:extLst>
+              <p:ext uri="{386F3935-93C4-4BCD-93E2-E3B085C9AB24}">
+                <p16:designElem xmlns:p16="http://schemas.microsoft.com/office/powerpoint/2015/main" val="1"/>
+              </p:ext>
+            </p:extLst>
+          </p:nvPr>
+        </p:nvSpPr>
+        <p:spPr>
+          <a:xfrm>
+            <a:off x="0" y="-1"/>
+            <a:ext cx="12188824" cy="6858001"/>
+          </a:xfrm>
+          <a:prstGeom prst="rect">
+            <a:avLst/>
+          </a:prstGeom>
+        </p:spPr>
+        <p:style>
+          <a:lnRef idx="2">
+            <a:schemeClr val="accent1">
+              <a:shade val="50000"/>
+            </a:schemeClr>
+          </a:lnRef>
+          <a:fillRef idx="1">
+            <a:schemeClr val="accent1"/>
+          </a:fillRef>
+          <a:effectRef idx="0">
+            <a:schemeClr val="accent1"/>
+          </a:effectRef>
+          <a:fontRef idx="minor">
+            <a:schemeClr val="lt1"/>
+          </a:fontRef>
+        </p:style>
+        <p:txBody>
+          <a:bodyPr rtlCol="0" anchor="ctr"/>
+          <a:lstStyle/>
+          <a:p>
+            <a:pPr algn="ctr"/>
+            <a:endParaRPr lang="en-US"/>
+          </a:p>
+        </p:txBody>
+      </p:sp>
+      <p:pic>
+        <p:nvPicPr>
+          <p:cNvPr id="34" name="Picture 24">
+            <a:extLst>
+              <a:ext uri="{FF2B5EF4-FFF2-40B4-BE49-F238E27FC236}">
+                <a16:creationId xmlns:a16="http://schemas.microsoft.com/office/drawing/2014/main" id="{95756E8F-499C-4533-BBE8-309C3E8D985C}"/>
+              </a:ext>
+              <a:ext uri="{C183D7F6-B498-43B3-948B-1728B52AA6E4}">
+                <adec:decorative xmlns:adec="http://schemas.microsoft.com/office/drawing/2017/decorative" val="1"/>
+              </a:ext>
+            </a:extLst>
+          </p:cNvPr>
+          <p:cNvPicPr>
+            <a:picLocks noGrp="1" noRot="1" noChangeAspect="1" noMove="1" noResize="1" noEditPoints="1" noAdjustHandles="1" noChangeArrowheads="1" noChangeShapeType="1" noCrop="1"/>
+          </p:cNvPicPr>
+          <p:nvPr>
+            <p:extLst>
+              <p:ext uri="{386F3935-93C4-4BCD-93E2-E3B085C9AB24}">
+                <p16:designElem xmlns:p16="http://schemas.microsoft.com/office/powerpoint/2015/main" val="1"/>
+              </p:ext>
+            </p:extLst>
+          </p:nvPr>
+        </p:nvPicPr>
+        <p:blipFill>
+          <a:blip r:embed="rId2">
+            <a:alphaModFix amt="10000"/>
+            <a:extLst>
+              <a:ext uri="{28A0092B-C50C-407E-A947-70E740481C1C}">
+                <a14:useLocalDpi xmlns:a14="http://schemas.microsoft.com/office/drawing/2010/main" val="0"/>
+              </a:ext>
+            </a:extLst>
+          </a:blip>
+          <a:stretch>
+            <a:fillRect/>
+          </a:stretch>
+        </p:blipFill>
+        <p:spPr>
+          <a:xfrm>
+            <a:off x="-3176" y="0"/>
+            <a:ext cx="12192000" cy="6858000"/>
+          </a:xfrm>
+          <a:prstGeom prst="rect">
+            <a:avLst/>
+          </a:prstGeom>
+        </p:spPr>
+      </p:pic>
+      <p:sp>
+        <p:nvSpPr>
+          <p:cNvPr id="35" name="Rectangle 26">
+            <a:extLst>
+              <a:ext uri="{FF2B5EF4-FFF2-40B4-BE49-F238E27FC236}">
+                <a16:creationId xmlns:a16="http://schemas.microsoft.com/office/drawing/2014/main" id="{0FFFD040-32A9-4D2B-86CA-599D030A4161}"/>
+              </a:ext>
+              <a:ext uri="{C183D7F6-B498-43B3-948B-1728B52AA6E4}">
+                <adec:decorative xmlns:adec="http://schemas.microsoft.com/office/drawing/2017/decorative" val="1"/>
+              </a:ext>
+            </a:extLst>
+          </p:cNvPr>
+          <p:cNvSpPr>
+            <a:spLocks noGrp="1" noRot="1" noChangeAspect="1" noMove="1" noResize="1" noEditPoints="1" noAdjustHandles="1" noChangeArrowheads="1" noChangeShapeType="1" noTextEdit="1"/>
+          </p:cNvSpPr>
+          <p:nvPr>
+            <p:extLst>
+              <p:ext uri="{386F3935-93C4-4BCD-93E2-E3B085C9AB24}">
+                <p16:designElem xmlns:p16="http://schemas.microsoft.com/office/powerpoint/2015/main" val="1"/>
+              </p:ext>
+            </p:extLst>
+          </p:nvPr>
+        </p:nvSpPr>
+        <p:spPr>
+          <a:xfrm>
+            <a:off x="4639056" y="0"/>
+            <a:ext cx="7552944" cy="6858001"/>
+          </a:xfrm>
+          <a:prstGeom prst="rect">
+            <a:avLst/>
+          </a:prstGeom>
+          <a:ln>
+            <a:noFill/>
+          </a:ln>
+        </p:spPr>
+        <p:style>
+          <a:lnRef idx="2">
+            <a:schemeClr val="accent1">
+              <a:shade val="50000"/>
+            </a:schemeClr>
+          </a:lnRef>
+          <a:fillRef idx="1">
+            <a:schemeClr val="accent1"/>
+          </a:fillRef>
+          <a:effectRef idx="0">
+            <a:schemeClr val="accent1"/>
+          </a:effectRef>
+          <a:fontRef idx="minor">
+            <a:schemeClr val="lt1"/>
+          </a:fontRef>
+        </p:style>
+        <p:txBody>
+          <a:bodyPr rtlCol="0" anchor="ctr"/>
+          <a:lstStyle/>
+          <a:p>
+            <a:pPr algn="ctr"/>
+            <a:endParaRPr lang="en-US"/>
+          </a:p>
+        </p:txBody>
+      </p:sp>
+      <p:sp>
+        <p:nvSpPr>
+          <p:cNvPr id="36" name="Rectangle 28">
+            <a:extLst>
+              <a:ext uri="{FF2B5EF4-FFF2-40B4-BE49-F238E27FC236}">
+                <a16:creationId xmlns:a16="http://schemas.microsoft.com/office/drawing/2014/main" id="{863205CA-B7FF-4C25-A4C8-3BBBCE19D950}"/>
+              </a:ext>
+              <a:ext uri="{C183D7F6-B498-43B3-948B-1728B52AA6E4}">
+                <adec:decorative xmlns:adec="http://schemas.microsoft.com/office/drawing/2017/decorative" val="1"/>
+              </a:ext>
+            </a:extLst>
+          </p:cNvPr>
+          <p:cNvSpPr>
+            <a:spLocks noGrp="1" noRot="1" noChangeAspect="1" noMove="1" noResize="1" noEditPoints="1" noAdjustHandles="1" noChangeArrowheads="1" noChangeShapeType="1" noTextEdit="1"/>
+          </p:cNvSpPr>
+          <p:nvPr>
+            <p:extLst>
+              <p:ext uri="{386F3935-93C4-4BCD-93E2-E3B085C9AB24}">
+                <p16:designElem xmlns:p16="http://schemas.microsoft.com/office/powerpoint/2015/main" val="1"/>
+              </p:ext>
+            </p:extLst>
+          </p:nvPr>
+        </p:nvSpPr>
+        <p:spPr bwMode="grayWhite">
+          <a:xfrm>
+            <a:off x="2" y="609600"/>
+            <a:ext cx="4959094" cy="1368198"/>
+          </a:xfrm>
+          <a:prstGeom prst="rect">
+            <a:avLst/>
+          </a:prstGeom>
+          <a:solidFill>
+            <a:schemeClr val="bg1">
+              <a:lumMod val="85000"/>
+              <a:lumOff val="15000"/>
+            </a:schemeClr>
+          </a:solidFill>
+          <a:ln>
+            <a:noFill/>
+          </a:ln>
+        </p:spPr>
+        <p:style>
+          <a:lnRef idx="2">
+            <a:schemeClr val="accent1">
+              <a:shade val="50000"/>
+            </a:schemeClr>
+          </a:lnRef>
+          <a:fillRef idx="1">
+            <a:schemeClr val="accent1"/>
+          </a:fillRef>
+          <a:effectRef idx="0">
+            <a:schemeClr val="accent1"/>
+          </a:effectRef>
+          <a:fontRef idx="minor">
+            <a:schemeClr val="lt1"/>
+          </a:fontRef>
+        </p:style>
+      </p:sp>
+      <p:sp>
+        <p:nvSpPr>
+          <p:cNvPr id="2" name="Cím 1">
+            <a:extLst>
+              <a:ext uri="{FF2B5EF4-FFF2-40B4-BE49-F238E27FC236}">
+                <a16:creationId xmlns:a16="http://schemas.microsoft.com/office/drawing/2014/main" id="{214D140F-9015-D1E7-9B40-F7C903AB5D9F}"/>
+              </a:ext>
+            </a:extLst>
+          </p:cNvPr>
+          <p:cNvSpPr>
+            <a:spLocks noGrp="1"/>
+          </p:cNvSpPr>
+          <p:nvPr>
+            <p:ph type="title"/>
+          </p:nvPr>
+        </p:nvSpPr>
+        <p:spPr>
+          <a:xfrm>
+            <a:off x="680321" y="753228"/>
+            <a:ext cx="4136123" cy="1080938"/>
+          </a:xfrm>
+        </p:spPr>
+        <p:txBody>
+          <a:bodyPr>
+            <a:normAutofit/>
+          </a:bodyPr>
+          <a:lstStyle/>
+          <a:p>
+            <a:r>
+              <a:rPr lang="hu-HU" sz="2400"/>
+              <a:t>Kecskés Zsolt István – Kód megosztó oldal</a:t>
+            </a:r>
+          </a:p>
+        </p:txBody>
+      </p:sp>
+      <p:pic>
+        <p:nvPicPr>
+          <p:cNvPr id="37" name="Picture 30">
+            <a:extLst>
+              <a:ext uri="{FF2B5EF4-FFF2-40B4-BE49-F238E27FC236}">
+                <a16:creationId xmlns:a16="http://schemas.microsoft.com/office/drawing/2014/main" id="{306E3F32-3C1A-4B6E-AF26-8A15A788560F}"/>
+              </a:ext>
+              <a:ext uri="{C183D7F6-B498-43B3-948B-1728B52AA6E4}">
+                <adec:decorative xmlns:adec="http://schemas.microsoft.com/office/drawing/2017/decorative" val="1"/>
+              </a:ext>
+            </a:extLst>
+          </p:cNvPr>
+          <p:cNvPicPr>
+            <a:picLocks noGrp="1" noRot="1" noChangeAspect="1" noMove="1" noResize="1" noEditPoints="1" noAdjustHandles="1" noChangeArrowheads="1" noChangeShapeType="1" noCrop="1"/>
+          </p:cNvPicPr>
+          <p:nvPr>
+            <p:extLst>
+              <p:ext uri="{386F3935-93C4-4BCD-93E2-E3B085C9AB24}">
+                <p16:designElem xmlns:p16="http://schemas.microsoft.com/office/powerpoint/2015/main" val="1"/>
+              </p:ext>
+            </p:extLst>
+          </p:nvPr>
+        </p:nvPicPr>
+        <p:blipFill>
+          <a:blip r:embed="rId3">
+            <a:extLst>
+              <a:ext uri="{28A0092B-C50C-407E-A947-70E740481C1C}">
+                <a14:useLocalDpi xmlns:a14="http://schemas.microsoft.com/office/drawing/2010/main" val="0"/>
+              </a:ext>
+            </a:extLst>
+          </a:blip>
+          <a:stretch>
+            <a:fillRect/>
+          </a:stretch>
+        </p:blipFill>
+        <p:spPr>
+          <a:xfrm>
+            <a:off x="2" y="1970241"/>
+            <a:ext cx="4956048" cy="199787"/>
+          </a:xfrm>
+          <a:prstGeom prst="rect">
+            <a:avLst/>
+          </a:prstGeom>
+        </p:spPr>
+      </p:pic>
+      <p:sp>
+        <p:nvSpPr>
+          <p:cNvPr id="3" name="Tartalom helye 2">
+            <a:extLst>
+              <a:ext uri="{FF2B5EF4-FFF2-40B4-BE49-F238E27FC236}">
+                <a16:creationId xmlns:a16="http://schemas.microsoft.com/office/drawing/2014/main" id="{AC9FB612-F506-3261-57EC-2A2994857732}"/>
+              </a:ext>
+            </a:extLst>
+          </p:cNvPr>
+          <p:cNvSpPr>
+            <a:spLocks noGrp="1"/>
+          </p:cNvSpPr>
+          <p:nvPr>
+            <p:ph idx="1"/>
+          </p:nvPr>
+        </p:nvSpPr>
+        <p:spPr>
+          <a:xfrm>
+            <a:off x="680321" y="2336873"/>
+            <a:ext cx="3656289" cy="3599316"/>
+          </a:xfrm>
+        </p:spPr>
+        <p:txBody>
+          <a:bodyPr>
+            <a:normAutofit/>
+          </a:bodyPr>
+          <a:lstStyle/>
+          <a:p>
+            <a:r>
+              <a:rPr lang="hu-HU" sz="1400"/>
+              <a:t>Szűrés</a:t>
+            </a:r>
+          </a:p>
+          <a:p>
+            <a:r>
+              <a:rPr lang="hu-HU" sz="1400"/>
+              <a:t>Sorrend változtatása</a:t>
+            </a:r>
+          </a:p>
+          <a:p>
+            <a:r>
+              <a:rPr lang="hu-HU" sz="1400"/>
+              <a:t>Grid és flex alkalmazása</a:t>
+            </a:r>
+          </a:p>
+        </p:txBody>
+      </p:sp>
+      <p:pic>
+        <p:nvPicPr>
+          <p:cNvPr id="5" name="Kép 4">
+            <a:extLst>
+              <a:ext uri="{FF2B5EF4-FFF2-40B4-BE49-F238E27FC236}">
+                <a16:creationId xmlns:a16="http://schemas.microsoft.com/office/drawing/2014/main" id="{BBC7B2CA-2DEE-40EC-59DF-B30FD9733F72}"/>
+              </a:ext>
+            </a:extLst>
+          </p:cNvPr>
+          <p:cNvPicPr>
+            <a:picLocks noChangeAspect="1"/>
+          </p:cNvPicPr>
+          <p:nvPr/>
+        </p:nvPicPr>
+        <p:blipFill>
+          <a:blip r:embed="rId4"/>
+          <a:stretch>
+            <a:fillRect/>
+          </a:stretch>
+        </p:blipFill>
+        <p:spPr>
+          <a:xfrm>
+            <a:off x="5276090" y="1939998"/>
+            <a:ext cx="6269479" cy="2978003"/>
+          </a:xfrm>
+          <a:prstGeom prst="rect">
+            <a:avLst/>
+          </a:prstGeom>
+          <a:ln>
+            <a:noFill/>
+          </a:ln>
+          <a:effectLst>
+            <a:outerShdw blurRad="76200" dist="63500" dir="5040000" algn="tl" rotWithShape="0">
+              <a:srgbClr val="000000">
+                <a:alpha val="41000"/>
+              </a:srgbClr>
+            </a:outerShdw>
+          </a:effectLst>
+        </p:spPr>
+      </p:pic>
+    </p:spTree>
+    <p:extLst>
+      <p:ext uri="{BB962C8B-B14F-4D97-AF65-F5344CB8AC3E}">
+        <p14:creationId xmlns:p14="http://schemas.microsoft.com/office/powerpoint/2010/main" val="4259534343"/>
+      </p:ext>
+    </p:extLst>
+  </p:cSld>
+  <p:clrMapOvr>
+    <a:masterClrMapping/>
+  </p:clrMapOvr>
+</p:sld>
+</file>
+
+<file path=ppt/slides/slide11.xml><?xml version="1.0" encoding="utf-8"?>
+<p:sld xmlns:a="http://schemas.openxmlformats.org/drawingml/2006/main" xmlns:r="http://schemas.openxmlformats.org/officeDocument/2006/relationships" xmlns:p="http://schemas.openxmlformats.org/presentationml/2006/main">
+  <p:cSld>
+    <p:bg>
+      <p:bgPr>
+        <a:gradFill rotWithShape="1">
+          <a:gsLst>
+            <a:gs pos="0">
+              <a:schemeClr val="bg2">
+                <a:tint val="96000"/>
+                <a:shade val="100000"/>
+                <a:hueMod val="92000"/>
+                <a:satMod val="200000"/>
+                <a:lumMod val="128000"/>
+              </a:schemeClr>
+            </a:gs>
+            <a:gs pos="50000">
+              <a:schemeClr val="bg2">
+                <a:shade val="100000"/>
+                <a:hueMod val="100000"/>
+                <a:satMod val="110000"/>
+                <a:lumMod val="130000"/>
+              </a:schemeClr>
+            </a:gs>
+            <a:gs pos="100000">
+              <a:schemeClr val="bg2">
+                <a:shade val="78000"/>
+                <a:hueMod val="118000"/>
+                <a:satMod val="120000"/>
+                <a:lumMod val="69000"/>
+              </a:schemeClr>
+            </a:gs>
+          </a:gsLst>
+          <a:lin ang="2520000" scaled="0"/>
+        </a:gradFill>
+        <a:effectLst/>
+      </p:bgPr>
+    </p:bg>
+    <p:spTree>
+      <p:nvGrpSpPr>
+        <p:cNvPr id="1" name=""/>
+        <p:cNvGrpSpPr/>
+        <p:nvPr/>
+      </p:nvGrpSpPr>
+      <p:grpSpPr>
+        <a:xfrm>
+          <a:off x="0" y="0"/>
+          <a:ext cx="0" cy="0"/>
+          <a:chOff x="0" y="0"/>
+          <a:chExt cx="0" cy="0"/>
+        </a:xfrm>
+      </p:grpSpPr>
+      <p:sp useBgFill="1">
+        <p:nvSpPr>
+          <p:cNvPr id="10" name="Rectangle 9">
+            <a:extLst>
+              <a:ext uri="{FF2B5EF4-FFF2-40B4-BE49-F238E27FC236}">
+                <a16:creationId xmlns:a16="http://schemas.microsoft.com/office/drawing/2014/main" id="{8DCA3673-CDE4-40C5-9FA8-F89874CFBA73}"/>
+              </a:ext>
+              <a:ext uri="{C183D7F6-B498-43B3-948B-1728B52AA6E4}">
+                <adec:decorative xmlns:adec="http://schemas.microsoft.com/office/drawing/2017/decorative" val="1"/>
+              </a:ext>
+            </a:extLst>
+          </p:cNvPr>
+          <p:cNvSpPr>
+            <a:spLocks noGrp="1" noRot="1" noChangeAspect="1" noMove="1" noResize="1" noEditPoints="1" noAdjustHandles="1" noChangeArrowheads="1" noChangeShapeType="1" noTextEdit="1"/>
+          </p:cNvSpPr>
+          <p:nvPr>
+            <p:extLst>
+              <p:ext uri="{386F3935-93C4-4BCD-93E2-E3B085C9AB24}">
+                <p16:designElem xmlns:p16="http://schemas.microsoft.com/office/powerpoint/2015/main" val="1"/>
+              </p:ext>
+            </p:extLst>
+          </p:nvPr>
+        </p:nvSpPr>
+        <p:spPr>
+          <a:xfrm>
+            <a:off x="0" y="-1"/>
+            <a:ext cx="12188824" cy="6858001"/>
+          </a:xfrm>
+          <a:prstGeom prst="rect">
+            <a:avLst/>
+          </a:prstGeom>
+        </p:spPr>
+        <p:style>
+          <a:lnRef idx="2">
+            <a:schemeClr val="accent1">
+              <a:shade val="50000"/>
+            </a:schemeClr>
+          </a:lnRef>
+          <a:fillRef idx="1">
+            <a:schemeClr val="accent1"/>
+          </a:fillRef>
+          <a:effectRef idx="0">
+            <a:schemeClr val="accent1"/>
+          </a:effectRef>
+          <a:fontRef idx="minor">
+            <a:schemeClr val="lt1"/>
+          </a:fontRef>
+        </p:style>
+        <p:txBody>
+          <a:bodyPr rtlCol="0" anchor="ctr"/>
+          <a:lstStyle/>
+          <a:p>
+            <a:pPr algn="ctr"/>
+            <a:endParaRPr lang="en-US"/>
+          </a:p>
+        </p:txBody>
+      </p:sp>
+      <p:pic>
+        <p:nvPicPr>
+          <p:cNvPr id="12" name="Picture 11">
+            <a:extLst>
+              <a:ext uri="{FF2B5EF4-FFF2-40B4-BE49-F238E27FC236}">
+                <a16:creationId xmlns:a16="http://schemas.microsoft.com/office/drawing/2014/main" id="{95756E8F-499C-4533-BBE8-309C3E8D985C}"/>
+              </a:ext>
+              <a:ext uri="{C183D7F6-B498-43B3-948B-1728B52AA6E4}">
+                <adec:decorative xmlns:adec="http://schemas.microsoft.com/office/drawing/2017/decorative" val="1"/>
+              </a:ext>
+            </a:extLst>
+          </p:cNvPr>
+          <p:cNvPicPr>
+            <a:picLocks noGrp="1" noRot="1" noChangeAspect="1" noMove="1" noResize="1" noEditPoints="1" noAdjustHandles="1" noChangeArrowheads="1" noChangeShapeType="1" noCrop="1"/>
+          </p:cNvPicPr>
+          <p:nvPr>
+            <p:extLst>
+              <p:ext uri="{386F3935-93C4-4BCD-93E2-E3B085C9AB24}">
+                <p16:designElem xmlns:p16="http://schemas.microsoft.com/office/powerpoint/2015/main" val="1"/>
+              </p:ext>
+            </p:extLst>
+          </p:nvPr>
+        </p:nvPicPr>
+        <p:blipFill>
+          <a:blip r:embed="rId2">
+            <a:alphaModFix amt="10000"/>
+            <a:extLst>
+              <a:ext uri="{28A0092B-C50C-407E-A947-70E740481C1C}">
+                <a14:useLocalDpi xmlns:a14="http://schemas.microsoft.com/office/drawing/2010/main" val="0"/>
+              </a:ext>
+            </a:extLst>
+          </a:blip>
+          <a:stretch>
+            <a:fillRect/>
+          </a:stretch>
+        </p:blipFill>
+        <p:spPr>
+          <a:xfrm>
+            <a:off x="-3176" y="0"/>
+            <a:ext cx="12192000" cy="6858000"/>
+          </a:xfrm>
+          <a:prstGeom prst="rect">
+            <a:avLst/>
+          </a:prstGeom>
+        </p:spPr>
+      </p:pic>
+      <p:sp>
+        <p:nvSpPr>
+          <p:cNvPr id="14" name="Rectangle 13">
+            <a:extLst>
+              <a:ext uri="{FF2B5EF4-FFF2-40B4-BE49-F238E27FC236}">
+                <a16:creationId xmlns:a16="http://schemas.microsoft.com/office/drawing/2014/main" id="{0FFFD040-32A9-4D2B-86CA-599D030A4161}"/>
+              </a:ext>
+              <a:ext uri="{C183D7F6-B498-43B3-948B-1728B52AA6E4}">
+                <adec:decorative xmlns:adec="http://schemas.microsoft.com/office/drawing/2017/decorative" val="1"/>
+              </a:ext>
+            </a:extLst>
+          </p:cNvPr>
+          <p:cNvSpPr>
+            <a:spLocks noGrp="1" noRot="1" noChangeAspect="1" noMove="1" noResize="1" noEditPoints="1" noAdjustHandles="1" noChangeArrowheads="1" noChangeShapeType="1" noTextEdit="1"/>
+          </p:cNvSpPr>
+          <p:nvPr>
+            <p:extLst>
+              <p:ext uri="{386F3935-93C4-4BCD-93E2-E3B085C9AB24}">
+                <p16:designElem xmlns:p16="http://schemas.microsoft.com/office/powerpoint/2015/main" val="1"/>
+              </p:ext>
+            </p:extLst>
+          </p:nvPr>
+        </p:nvSpPr>
+        <p:spPr>
+          <a:xfrm>
+            <a:off x="4639056" y="0"/>
+            <a:ext cx="7552944" cy="6858001"/>
+          </a:xfrm>
+          <a:prstGeom prst="rect">
+            <a:avLst/>
+          </a:prstGeom>
+          <a:ln>
+            <a:noFill/>
+          </a:ln>
+        </p:spPr>
+        <p:style>
+          <a:lnRef idx="2">
+            <a:schemeClr val="accent1">
+              <a:shade val="50000"/>
+            </a:schemeClr>
+          </a:lnRef>
+          <a:fillRef idx="1">
+            <a:schemeClr val="accent1"/>
+          </a:fillRef>
+          <a:effectRef idx="0">
+            <a:schemeClr val="accent1"/>
+          </a:effectRef>
+          <a:fontRef idx="minor">
+            <a:schemeClr val="lt1"/>
+          </a:fontRef>
+        </p:style>
+        <p:txBody>
+          <a:bodyPr rtlCol="0" anchor="ctr"/>
+          <a:lstStyle/>
+          <a:p>
+            <a:pPr algn="ctr"/>
+            <a:endParaRPr lang="en-US"/>
+          </a:p>
+        </p:txBody>
+      </p:sp>
+      <p:sp>
+        <p:nvSpPr>
+          <p:cNvPr id="16" name="Rectangle 15">
+            <a:extLst>
+              <a:ext uri="{FF2B5EF4-FFF2-40B4-BE49-F238E27FC236}">
+                <a16:creationId xmlns:a16="http://schemas.microsoft.com/office/drawing/2014/main" id="{863205CA-B7FF-4C25-A4C8-3BBBCE19D950}"/>
+              </a:ext>
+              <a:ext uri="{C183D7F6-B498-43B3-948B-1728B52AA6E4}">
+                <adec:decorative xmlns:adec="http://schemas.microsoft.com/office/drawing/2017/decorative" val="1"/>
+              </a:ext>
+            </a:extLst>
+          </p:cNvPr>
+          <p:cNvSpPr>
+            <a:spLocks noGrp="1" noRot="1" noChangeAspect="1" noMove="1" noResize="1" noEditPoints="1" noAdjustHandles="1" noChangeArrowheads="1" noChangeShapeType="1" noTextEdit="1"/>
+          </p:cNvSpPr>
+          <p:nvPr>
+            <p:extLst>
+              <p:ext uri="{386F3935-93C4-4BCD-93E2-E3B085C9AB24}">
+                <p16:designElem xmlns:p16="http://schemas.microsoft.com/office/powerpoint/2015/main" val="1"/>
+              </p:ext>
+            </p:extLst>
+          </p:nvPr>
+        </p:nvSpPr>
+        <p:spPr bwMode="grayWhite">
+          <a:xfrm>
+            <a:off x="2" y="609600"/>
+            <a:ext cx="4959094" cy="1368198"/>
+          </a:xfrm>
+          <a:prstGeom prst="rect">
+            <a:avLst/>
+          </a:prstGeom>
+          <a:solidFill>
+            <a:schemeClr val="bg1">
+              <a:lumMod val="85000"/>
+              <a:lumOff val="15000"/>
+            </a:schemeClr>
+          </a:solidFill>
+          <a:ln>
+            <a:noFill/>
+          </a:ln>
+        </p:spPr>
+        <p:style>
+          <a:lnRef idx="2">
+            <a:schemeClr val="accent1">
+              <a:shade val="50000"/>
+            </a:schemeClr>
+          </a:lnRef>
+          <a:fillRef idx="1">
+            <a:schemeClr val="accent1"/>
+          </a:fillRef>
+          <a:effectRef idx="0">
+            <a:schemeClr val="accent1"/>
+          </a:effectRef>
+          <a:fontRef idx="minor">
+            <a:schemeClr val="lt1"/>
+          </a:fontRef>
+        </p:style>
+      </p:sp>
+      <p:sp>
+        <p:nvSpPr>
+          <p:cNvPr id="2" name="Cím 1">
+            <a:extLst>
+              <a:ext uri="{FF2B5EF4-FFF2-40B4-BE49-F238E27FC236}">
+                <a16:creationId xmlns:a16="http://schemas.microsoft.com/office/drawing/2014/main" id="{2A214121-3738-0249-1AD1-B18B259213D0}"/>
+              </a:ext>
+            </a:extLst>
+          </p:cNvPr>
+          <p:cNvSpPr>
+            <a:spLocks noGrp="1"/>
+          </p:cNvSpPr>
+          <p:nvPr>
+            <p:ph type="title"/>
+          </p:nvPr>
+        </p:nvSpPr>
+        <p:spPr>
+          <a:xfrm>
+            <a:off x="680321" y="753228"/>
+            <a:ext cx="4136123" cy="1080938"/>
+          </a:xfrm>
+        </p:spPr>
+        <p:txBody>
+          <a:bodyPr>
+            <a:normAutofit/>
+          </a:bodyPr>
+          <a:lstStyle/>
+          <a:p>
+            <a:r>
+              <a:rPr lang="hu-HU" sz="2400"/>
+              <a:t>Csapatmunka</a:t>
+            </a:r>
+          </a:p>
+        </p:txBody>
+      </p:sp>
+      <p:pic>
+        <p:nvPicPr>
+          <p:cNvPr id="18" name="Picture 17">
+            <a:extLst>
+              <a:ext uri="{FF2B5EF4-FFF2-40B4-BE49-F238E27FC236}">
+                <a16:creationId xmlns:a16="http://schemas.microsoft.com/office/drawing/2014/main" id="{306E3F32-3C1A-4B6E-AF26-8A15A788560F}"/>
+              </a:ext>
+              <a:ext uri="{C183D7F6-B498-43B3-948B-1728B52AA6E4}">
+                <adec:decorative xmlns:adec="http://schemas.microsoft.com/office/drawing/2017/decorative" val="1"/>
+              </a:ext>
+            </a:extLst>
+          </p:cNvPr>
+          <p:cNvPicPr>
+            <a:picLocks noGrp="1" noRot="1" noChangeAspect="1" noMove="1" noResize="1" noEditPoints="1" noAdjustHandles="1" noChangeArrowheads="1" noChangeShapeType="1" noCrop="1"/>
+          </p:cNvPicPr>
+          <p:nvPr>
+            <p:extLst>
+              <p:ext uri="{386F3935-93C4-4BCD-93E2-E3B085C9AB24}">
+                <p16:designElem xmlns:p16="http://schemas.microsoft.com/office/powerpoint/2015/main" val="1"/>
+              </p:ext>
+            </p:extLst>
+          </p:nvPr>
+        </p:nvPicPr>
+        <p:blipFill>
+          <a:blip r:embed="rId3">
+            <a:extLst>
+              <a:ext uri="{28A0092B-C50C-407E-A947-70E740481C1C}">
+                <a14:useLocalDpi xmlns:a14="http://schemas.microsoft.com/office/drawing/2010/main" val="0"/>
+              </a:ext>
+            </a:extLst>
+          </a:blip>
+          <a:stretch>
+            <a:fillRect/>
+          </a:stretch>
+        </p:blipFill>
+        <p:spPr>
+          <a:xfrm>
+            <a:off x="2" y="1970241"/>
+            <a:ext cx="4956048" cy="199787"/>
+          </a:xfrm>
+          <a:prstGeom prst="rect">
+            <a:avLst/>
+          </a:prstGeom>
+        </p:spPr>
+      </p:pic>
+      <p:sp>
+        <p:nvSpPr>
+          <p:cNvPr id="3" name="Tartalom helye 2">
+            <a:extLst>
+              <a:ext uri="{FF2B5EF4-FFF2-40B4-BE49-F238E27FC236}">
+                <a16:creationId xmlns:a16="http://schemas.microsoft.com/office/drawing/2014/main" id="{0B3A52EC-EAAE-67C0-E20A-D7CDEDD06671}"/>
+              </a:ext>
+            </a:extLst>
+          </p:cNvPr>
+          <p:cNvSpPr>
+            <a:spLocks noGrp="1"/>
+          </p:cNvSpPr>
+          <p:nvPr>
+            <p:ph idx="1"/>
+          </p:nvPr>
+        </p:nvSpPr>
+        <p:spPr>
+          <a:xfrm>
+            <a:off x="680321" y="2336873"/>
+            <a:ext cx="3656289" cy="3599316"/>
+          </a:xfrm>
+        </p:spPr>
+        <p:txBody>
+          <a:bodyPr>
+            <a:normAutofit/>
+          </a:bodyPr>
+          <a:lstStyle/>
+          <a:p>
+            <a:r>
+              <a:rPr lang="hu-HU" sz="1400"/>
+              <a:t>Kiegyensúlyozott</a:t>
+            </a:r>
+          </a:p>
+          <a:p>
+            <a:r>
+              <a:rPr lang="hu-HU" sz="1400"/>
+              <a:t>Szerepkörök</a:t>
+            </a:r>
+          </a:p>
+          <a:p>
+            <a:r>
+              <a:rPr lang="hu-HU" sz="1400"/>
+              <a:t>Együttműködés</a:t>
+            </a:r>
+          </a:p>
+        </p:txBody>
+      </p:sp>
+      <p:pic>
+        <p:nvPicPr>
+          <p:cNvPr id="5" name="Kép 4" descr="A képen szöveg, képernyőkép, monitor, vektorgrafika látható&#10;&#10;Automatikusan generált leírás">
+            <a:extLst>
+              <a:ext uri="{FF2B5EF4-FFF2-40B4-BE49-F238E27FC236}">
+                <a16:creationId xmlns:a16="http://schemas.microsoft.com/office/drawing/2014/main" id="{F00FF773-08F4-EFF8-BEA1-893AF57B3334}"/>
+              </a:ext>
+            </a:extLst>
+          </p:cNvPr>
+          <p:cNvPicPr>
+            <a:picLocks noChangeAspect="1"/>
+          </p:cNvPicPr>
+          <p:nvPr/>
+        </p:nvPicPr>
+        <p:blipFill>
+          <a:blip r:embed="rId4"/>
+          <a:stretch>
+            <a:fillRect/>
+          </a:stretch>
+        </p:blipFill>
+        <p:spPr>
+          <a:xfrm>
+            <a:off x="5276090" y="1469788"/>
+            <a:ext cx="6269479" cy="3918423"/>
+          </a:xfrm>
+          <a:prstGeom prst="rect">
+            <a:avLst/>
+          </a:prstGeom>
+          <a:ln>
+            <a:noFill/>
+          </a:ln>
+          <a:effectLst>
+            <a:outerShdw blurRad="76200" dist="63500" dir="5040000" algn="tl" rotWithShape="0">
+              <a:srgbClr val="000000">
+                <a:alpha val="41000"/>
+              </a:srgbClr>
+            </a:outerShdw>
+          </a:effectLst>
+        </p:spPr>
+      </p:pic>
+    </p:spTree>
+    <p:extLst>
+      <p:ext uri="{BB962C8B-B14F-4D97-AF65-F5344CB8AC3E}">
+        <p14:creationId xmlns:p14="http://schemas.microsoft.com/office/powerpoint/2010/main" val="1585616624"/>
+      </p:ext>
+    </p:extLst>
+  </p:cSld>
+  <p:clrMapOvr>
+    <a:masterClrMapping/>
+  </p:clrMapOvr>
+</p:sld>
+</file>
+
+<file path=ppt/slides/slide12.xml><?xml version="1.0" encoding="utf-8"?>
+<p:sld xmlns:a="http://schemas.openxmlformats.org/drawingml/2006/main" xmlns:r="http://schemas.openxmlformats.org/officeDocument/2006/relationships" xmlns:p="http://schemas.openxmlformats.org/presentationml/2006/main">
+  <p:cSld>
+    <p:bg>
+      <p:bgPr>
+        <a:gradFill rotWithShape="1">
+          <a:gsLst>
+            <a:gs pos="0">
+              <a:srgbClr val="2FE9DF"/>
+            </a:gs>
+            <a:gs pos="50000">
+              <a:schemeClr val="bg2">
+                <a:shade val="100000"/>
+                <a:hueMod val="100000"/>
+                <a:satMod val="110000"/>
+                <a:lumMod val="130000"/>
+              </a:schemeClr>
+            </a:gs>
+            <a:gs pos="100000">
+              <a:srgbClr val="0B2262"/>
+            </a:gs>
+          </a:gsLst>
+          <a:lin ang="2520000" scaled="0"/>
+        </a:gradFill>
+        <a:effectLst/>
+      </p:bgPr>
+    </p:bg>
+    <p:spTree>
+      <p:nvGrpSpPr>
+        <p:cNvPr id="1" name=""/>
+        <p:cNvGrpSpPr/>
+        <p:nvPr/>
+      </p:nvGrpSpPr>
+      <p:grpSpPr>
+        <a:xfrm>
+          <a:off x="0" y="0"/>
+          <a:ext cx="0" cy="0"/>
+          <a:chOff x="0" y="0"/>
+          <a:chExt cx="0" cy="0"/>
+        </a:xfrm>
+      </p:grpSpPr>
+      <p:sp>
+        <p:nvSpPr>
+          <p:cNvPr id="2" name="Cím 1">
+            <a:extLst>
+              <a:ext uri="{FF2B5EF4-FFF2-40B4-BE49-F238E27FC236}">
+                <a16:creationId xmlns:a16="http://schemas.microsoft.com/office/drawing/2014/main" id="{CC161438-6ECC-8754-313C-DBF930E6D3E8}"/>
+              </a:ext>
+            </a:extLst>
+          </p:cNvPr>
+          <p:cNvSpPr>
+            <a:spLocks noGrp="1"/>
+          </p:cNvSpPr>
+          <p:nvPr>
+            <p:ph type="title"/>
+          </p:nvPr>
+        </p:nvSpPr>
+        <p:spPr/>
+        <p:txBody>
+          <a:bodyPr/>
+          <a:lstStyle/>
+          <a:p>
+            <a:r>
+              <a:rPr lang="hu-HU" dirty="0"/>
+              <a:t>Az oldal bemutatása</a:t>
+            </a:r>
+          </a:p>
+        </p:txBody>
+      </p:sp>
+      <p:sp>
+        <p:nvSpPr>
+          <p:cNvPr id="3" name="Tartalom helye 2">
+            <a:extLst>
+              <a:ext uri="{FF2B5EF4-FFF2-40B4-BE49-F238E27FC236}">
+                <a16:creationId xmlns:a16="http://schemas.microsoft.com/office/drawing/2014/main" id="{FDB48E8B-1EF8-7A0F-53CA-A984DF91FDB1}"/>
+              </a:ext>
+            </a:extLst>
+          </p:cNvPr>
+          <p:cNvSpPr>
+            <a:spLocks noGrp="1"/>
+          </p:cNvSpPr>
+          <p:nvPr>
+            <p:ph idx="1"/>
+          </p:nvPr>
+        </p:nvSpPr>
+        <p:spPr/>
+        <p:txBody>
+          <a:bodyPr/>
+          <a:lstStyle/>
+          <a:p>
+            <a:r>
+              <a:rPr lang="hu-HU" dirty="0">
+                <a:hlinkClick r:id="rId2"/>
+              </a:rPr>
+              <a:t>A főoldal</a:t>
+            </a:r>
+            <a:endParaRPr lang="hu-HU" dirty="0"/>
+          </a:p>
+        </p:txBody>
+      </p:sp>
+    </p:spTree>
+    <p:extLst>
+      <p:ext uri="{BB962C8B-B14F-4D97-AF65-F5344CB8AC3E}">
+        <p14:creationId xmlns:p14="http://schemas.microsoft.com/office/powerpoint/2010/main" val="1353175398"/>
+      </p:ext>
+    </p:extLst>
+  </p:cSld>
+  <p:clrMapOvr>
+    <a:masterClrMapping/>
+  </p:clrMapOvr>
+</p:sld>
+</file>
+
+<file path=ppt/slides/slide13.xml><?xml version="1.0" encoding="utf-8"?>
+<p:sld xmlns:a="http://schemas.openxmlformats.org/drawingml/2006/main" xmlns:r="http://schemas.openxmlformats.org/officeDocument/2006/relationships" xmlns:p="http://schemas.openxmlformats.org/presentationml/2006/main">
+  <p:cSld>
+    <p:bg>
+      <p:bgPr>
+        <a:gradFill rotWithShape="1">
+          <a:gsLst>
+            <a:gs pos="0">
+              <a:srgbClr val="2FE9DF"/>
+            </a:gs>
+            <a:gs pos="50000">
+              <a:schemeClr val="bg2">
+                <a:shade val="100000"/>
+                <a:hueMod val="100000"/>
+                <a:satMod val="110000"/>
+                <a:lumMod val="130000"/>
+              </a:schemeClr>
+            </a:gs>
+            <a:gs pos="100000">
+              <a:srgbClr val="0B2262"/>
+            </a:gs>
+          </a:gsLst>
+          <a:lin ang="2520000" scaled="0"/>
+        </a:gradFill>
+        <a:effectLst/>
+      </p:bgPr>
+    </p:bg>
+    <p:spTree>
+      <p:nvGrpSpPr>
+        <p:cNvPr id="1" name=""/>
+        <p:cNvGrpSpPr/>
+        <p:nvPr/>
+      </p:nvGrpSpPr>
+      <p:grpSpPr>
+        <a:xfrm>
+          <a:off x="0" y="0"/>
+          <a:ext cx="0" cy="0"/>
+          <a:chOff x="0" y="0"/>
+          <a:chExt cx="0" cy="0"/>
+        </a:xfrm>
+      </p:grpSpPr>
+      <p:sp useBgFill="1">
+        <p:nvSpPr>
+          <p:cNvPr id="8" name="Rectangle 7">
+            <a:extLst>
+              <a:ext uri="{FF2B5EF4-FFF2-40B4-BE49-F238E27FC236}">
+                <a16:creationId xmlns:a16="http://schemas.microsoft.com/office/drawing/2014/main" id="{B5C18694-F55B-41C0-ABF3-C1D971F99ADB}"/>
+              </a:ext>
+              <a:ext uri="{C183D7F6-B498-43B3-948B-1728B52AA6E4}">
+                <adec:decorative xmlns:adec="http://schemas.microsoft.com/office/drawing/2017/decorative" val="1"/>
+              </a:ext>
+            </a:extLst>
+          </p:cNvPr>
+          <p:cNvSpPr>
+            <a:spLocks noGrp="1" noRot="1" noChangeAspect="1" noMove="1" noResize="1" noEditPoints="1" noAdjustHandles="1" noChangeArrowheads="1" noChangeShapeType="1" noTextEdit="1"/>
+          </p:cNvSpPr>
+          <p:nvPr>
+            <p:extLst>
+              <p:ext uri="{386F3935-93C4-4BCD-93E2-E3B085C9AB24}">
+                <p16:designElem xmlns:p16="http://schemas.microsoft.com/office/powerpoint/2015/main" val="1"/>
+              </p:ext>
+            </p:extLst>
+          </p:nvPr>
+        </p:nvSpPr>
+        <p:spPr>
+          <a:xfrm>
+            <a:off x="0" y="0"/>
+            <a:ext cx="12192000" cy="6858000"/>
+          </a:xfrm>
+          <a:prstGeom prst="rect">
+            <a:avLst/>
+          </a:prstGeom>
+          <a:ln>
+            <a:noFill/>
+          </a:ln>
+        </p:spPr>
+        <p:style>
+          <a:lnRef idx="2">
+            <a:schemeClr val="accent1">
+              <a:shade val="50000"/>
+            </a:schemeClr>
+          </a:lnRef>
+          <a:fillRef idx="1">
+            <a:schemeClr val="accent1"/>
+          </a:fillRef>
+          <a:effectRef idx="0">
+            <a:schemeClr val="accent1"/>
+          </a:effectRef>
+          <a:fontRef idx="minor">
+            <a:schemeClr val="lt1"/>
+          </a:fontRef>
+        </p:style>
+        <p:txBody>
+          <a:bodyPr rtlCol="0" anchor="ctr"/>
+          <a:lstStyle/>
+          <a:p>
+            <a:pPr algn="ctr"/>
+            <a:endParaRPr lang="en-US"/>
+          </a:p>
+        </p:txBody>
+      </p:sp>
+      <p:pic>
+        <p:nvPicPr>
+          <p:cNvPr id="10" name="Picture 9">
+            <a:extLst>
+              <a:ext uri="{FF2B5EF4-FFF2-40B4-BE49-F238E27FC236}">
+                <a16:creationId xmlns:a16="http://schemas.microsoft.com/office/drawing/2014/main" id="{E3E46CA8-7278-4BA3-AACE-235B5B3B53E0}"/>
+              </a:ext>
+              <a:ext uri="{C183D7F6-B498-43B3-948B-1728B52AA6E4}">
+                <adec:decorative xmlns:adec="http://schemas.microsoft.com/office/drawing/2017/decorative" val="1"/>
+              </a:ext>
+            </a:extLst>
+          </p:cNvPr>
+          <p:cNvPicPr>
+            <a:picLocks noGrp="1" noRot="1" noChangeAspect="1" noMove="1" noResize="1" noEditPoints="1" noAdjustHandles="1" noChangeArrowheads="1" noChangeShapeType="1" noCrop="1"/>
+          </p:cNvPicPr>
+          <p:nvPr>
+            <p:extLst>
+              <p:ext uri="{386F3935-93C4-4BCD-93E2-E3B085C9AB24}">
+                <p16:designElem xmlns:p16="http://schemas.microsoft.com/office/powerpoint/2015/main" val="1"/>
+              </p:ext>
+            </p:extLst>
+          </p:nvPr>
+        </p:nvPicPr>
+        <p:blipFill>
+          <a:blip r:embed="rId2">
+            <a:alphaModFix amt="10000"/>
+            <a:extLst>
+              <a:ext uri="{28A0092B-C50C-407E-A947-70E740481C1C}">
+                <a14:useLocalDpi xmlns:a14="http://schemas.microsoft.com/office/drawing/2010/main" val="0"/>
+              </a:ext>
+            </a:extLst>
+          </a:blip>
+          <a:stretch>
+            <a:fillRect/>
+          </a:stretch>
+        </p:blipFill>
+        <p:spPr>
+          <a:xfrm>
+            <a:off x="0" y="0"/>
+            <a:ext cx="12192000" cy="6858000"/>
+          </a:xfrm>
+          <a:prstGeom prst="rect">
+            <a:avLst/>
+          </a:prstGeom>
+        </p:spPr>
+      </p:pic>
+      <p:sp>
+        <p:nvSpPr>
+          <p:cNvPr id="2" name="Cím 1">
+            <a:extLst>
+              <a:ext uri="{FF2B5EF4-FFF2-40B4-BE49-F238E27FC236}">
+                <a16:creationId xmlns:a16="http://schemas.microsoft.com/office/drawing/2014/main" id="{E61D447C-3AE8-4765-11B8-4C827E313C70}"/>
+              </a:ext>
+            </a:extLst>
+          </p:cNvPr>
+          <p:cNvSpPr>
+            <a:spLocks noGrp="1"/>
+          </p:cNvSpPr>
+          <p:nvPr>
+            <p:ph type="ctrTitle"/>
+          </p:nvPr>
+        </p:nvSpPr>
+        <p:spPr>
+          <a:xfrm>
+            <a:off x="643467" y="643467"/>
+            <a:ext cx="10905066" cy="3251878"/>
+          </a:xfrm>
+          <a:effectLst>
+            <a:outerShdw blurRad="88900" dist="38100" dir="2700000" algn="tl" rotWithShape="0">
+              <a:prstClr val="black">
+                <a:alpha val="30000"/>
+              </a:prstClr>
+            </a:outerShdw>
+          </a:effectLst>
+        </p:spPr>
+        <p:txBody>
+          <a:bodyPr>
+            <a:normAutofit/>
+          </a:bodyPr>
+          <a:lstStyle/>
+          <a:p>
+            <a:pPr algn="ctr"/>
+            <a:r>
+              <a:rPr lang="hu-HU" sz="7200"/>
+              <a:t>Köszönjük a figyelmet</a:t>
+            </a:r>
+          </a:p>
+        </p:txBody>
+      </p:sp>
+      <p:sp>
+        <p:nvSpPr>
+          <p:cNvPr id="3" name="Alcím 2">
+            <a:extLst>
+              <a:ext uri="{FF2B5EF4-FFF2-40B4-BE49-F238E27FC236}">
+                <a16:creationId xmlns:a16="http://schemas.microsoft.com/office/drawing/2014/main" id="{8A39F6EC-02D5-8195-DBE6-DE40BA47FBA9}"/>
+              </a:ext>
+            </a:extLst>
+          </p:cNvPr>
+          <p:cNvSpPr>
+            <a:spLocks noGrp="1"/>
+          </p:cNvSpPr>
+          <p:nvPr>
+            <p:ph type="subTitle" idx="1"/>
+          </p:nvPr>
+        </p:nvSpPr>
+        <p:spPr>
+          <a:xfrm>
+            <a:off x="2023933" y="4233672"/>
+            <a:ext cx="8144134" cy="1145829"/>
+          </a:xfrm>
+          <a:effectLst>
+            <a:outerShdw blurRad="88900" dist="38100" dir="2700000" algn="tl" rotWithShape="0">
+              <a:prstClr val="black">
+                <a:alpha val="30000"/>
+              </a:prstClr>
+            </a:outerShdw>
+          </a:effectLst>
+        </p:spPr>
+        <p:txBody>
+          <a:bodyPr>
+            <a:normAutofit/>
+          </a:bodyPr>
+          <a:lstStyle/>
+          <a:p>
+            <a:pPr algn="ctr"/>
+            <a:endParaRPr lang="hu-HU" sz="1600"/>
+          </a:p>
+        </p:txBody>
+      </p:sp>
+    </p:spTree>
+    <p:extLst>
+      <p:ext uri="{BB962C8B-B14F-4D97-AF65-F5344CB8AC3E}">
+        <p14:creationId xmlns:p14="http://schemas.microsoft.com/office/powerpoint/2010/main" val="417949368"/>
       </p:ext>
     </p:extLst>
   </p:cSld>
@@ -20592,7 +21862,7 @@
           <a:p>
             <a:pPr algn="r"/>
             <a:r>
-              <a:rPr lang="hu-HU" sz="4400"/>
+              <a:rPr lang="hu-HU" sz="4400" dirty="0"/>
               <a:t>Kecskés Zsolt István - Szerepkörök</a:t>
             </a:r>
           </a:p>
@@ -20614,7 +21884,7 @@
             <p:ph idx="1"/>
             <p:extLst>
               <p:ext uri="{D42A27DB-BD31-4B8C-83A1-F6EECF244321}">
-                <p14:modId xmlns:p14="http://schemas.microsoft.com/office/powerpoint/2010/main" val="1683848012"/>
+                <p14:modId xmlns:p14="http://schemas.microsoft.com/office/powerpoint/2010/main" val="1858282773"/>
               </p:ext>
             </p:extLst>
           </p:nvPr>
@@ -20633,6 +21903,1592 @@
     <p:extLst>
       <p:ext uri="{BB962C8B-B14F-4D97-AF65-F5344CB8AC3E}">
         <p14:creationId xmlns:p14="http://schemas.microsoft.com/office/powerpoint/2010/main" val="3915631143"/>
+      </p:ext>
+    </p:extLst>
+  </p:cSld>
+  <p:clrMapOvr>
+    <a:masterClrMapping/>
+  </p:clrMapOvr>
+</p:sld>
+</file>
+
+<file path=ppt/slides/slide6.xml><?xml version="1.0" encoding="utf-8"?>
+<p:sld xmlns:a="http://schemas.openxmlformats.org/drawingml/2006/main" xmlns:r="http://schemas.openxmlformats.org/officeDocument/2006/relationships" xmlns:p="http://schemas.openxmlformats.org/presentationml/2006/main">
+  <p:cSld>
+    <p:bg>
+      <p:bgPr>
+        <a:gradFill rotWithShape="1">
+          <a:gsLst>
+            <a:gs pos="0">
+              <a:schemeClr val="bg2">
+                <a:tint val="96000"/>
+                <a:shade val="100000"/>
+                <a:hueMod val="92000"/>
+                <a:satMod val="200000"/>
+                <a:lumMod val="128000"/>
+              </a:schemeClr>
+            </a:gs>
+            <a:gs pos="50000">
+              <a:schemeClr val="bg2">
+                <a:shade val="100000"/>
+                <a:hueMod val="100000"/>
+                <a:satMod val="110000"/>
+                <a:lumMod val="130000"/>
+              </a:schemeClr>
+            </a:gs>
+            <a:gs pos="100000">
+              <a:schemeClr val="bg2">
+                <a:shade val="78000"/>
+                <a:hueMod val="118000"/>
+                <a:satMod val="120000"/>
+                <a:lumMod val="69000"/>
+              </a:schemeClr>
+            </a:gs>
+          </a:gsLst>
+          <a:lin ang="2520000" scaled="0"/>
+        </a:gradFill>
+        <a:effectLst/>
+      </p:bgPr>
+    </p:bg>
+    <p:spTree>
+      <p:nvGrpSpPr>
+        <p:cNvPr id="1" name=""/>
+        <p:cNvGrpSpPr/>
+        <p:nvPr/>
+      </p:nvGrpSpPr>
+      <p:grpSpPr>
+        <a:xfrm>
+          <a:off x="0" y="0"/>
+          <a:ext cx="0" cy="0"/>
+          <a:chOff x="0" y="0"/>
+          <a:chExt cx="0" cy="0"/>
+        </a:xfrm>
+      </p:grpSpPr>
+      <p:sp useBgFill="1">
+        <p:nvSpPr>
+          <p:cNvPr id="1031" name="Rectangle 1030">
+            <a:extLst>
+              <a:ext uri="{FF2B5EF4-FFF2-40B4-BE49-F238E27FC236}">
+                <a16:creationId xmlns:a16="http://schemas.microsoft.com/office/drawing/2014/main" id="{8DCA3673-CDE4-40C5-9FA8-F89874CFBA73}"/>
+              </a:ext>
+              <a:ext uri="{C183D7F6-B498-43B3-948B-1728B52AA6E4}">
+                <adec:decorative xmlns:adec="http://schemas.microsoft.com/office/drawing/2017/decorative" val="1"/>
+              </a:ext>
+            </a:extLst>
+          </p:cNvPr>
+          <p:cNvSpPr>
+            <a:spLocks noGrp="1" noRot="1" noChangeAspect="1" noMove="1" noResize="1" noEditPoints="1" noAdjustHandles="1" noChangeArrowheads="1" noChangeShapeType="1" noTextEdit="1"/>
+          </p:cNvSpPr>
+          <p:nvPr>
+            <p:extLst>
+              <p:ext uri="{386F3935-93C4-4BCD-93E2-E3B085C9AB24}">
+                <p16:designElem xmlns:p16="http://schemas.microsoft.com/office/powerpoint/2015/main" val="1"/>
+              </p:ext>
+            </p:extLst>
+          </p:nvPr>
+        </p:nvSpPr>
+        <p:spPr>
+          <a:xfrm>
+            <a:off x="0" y="-1"/>
+            <a:ext cx="12188824" cy="6858001"/>
+          </a:xfrm>
+          <a:prstGeom prst="rect">
+            <a:avLst/>
+          </a:prstGeom>
+        </p:spPr>
+        <p:style>
+          <a:lnRef idx="2">
+            <a:schemeClr val="accent1">
+              <a:shade val="50000"/>
+            </a:schemeClr>
+          </a:lnRef>
+          <a:fillRef idx="1">
+            <a:schemeClr val="accent1"/>
+          </a:fillRef>
+          <a:effectRef idx="0">
+            <a:schemeClr val="accent1"/>
+          </a:effectRef>
+          <a:fontRef idx="minor">
+            <a:schemeClr val="lt1"/>
+          </a:fontRef>
+        </p:style>
+        <p:txBody>
+          <a:bodyPr rtlCol="0" anchor="ctr"/>
+          <a:lstStyle/>
+          <a:p>
+            <a:pPr algn="ctr"/>
+            <a:endParaRPr lang="en-US"/>
+          </a:p>
+        </p:txBody>
+      </p:sp>
+      <p:pic>
+        <p:nvPicPr>
+          <p:cNvPr id="1033" name="Picture 1032">
+            <a:extLst>
+              <a:ext uri="{FF2B5EF4-FFF2-40B4-BE49-F238E27FC236}">
+                <a16:creationId xmlns:a16="http://schemas.microsoft.com/office/drawing/2014/main" id="{95756E8F-499C-4533-BBE8-309C3E8D985C}"/>
+              </a:ext>
+              <a:ext uri="{C183D7F6-B498-43B3-948B-1728B52AA6E4}">
+                <adec:decorative xmlns:adec="http://schemas.microsoft.com/office/drawing/2017/decorative" val="1"/>
+              </a:ext>
+            </a:extLst>
+          </p:cNvPr>
+          <p:cNvPicPr>
+            <a:picLocks noGrp="1" noRot="1" noChangeAspect="1" noMove="1" noResize="1" noEditPoints="1" noAdjustHandles="1" noChangeArrowheads="1" noChangeShapeType="1" noCrop="1"/>
+          </p:cNvPicPr>
+          <p:nvPr>
+            <p:extLst>
+              <p:ext uri="{386F3935-93C4-4BCD-93E2-E3B085C9AB24}">
+                <p16:designElem xmlns:p16="http://schemas.microsoft.com/office/powerpoint/2015/main" val="1"/>
+              </p:ext>
+            </p:extLst>
+          </p:nvPr>
+        </p:nvPicPr>
+        <p:blipFill>
+          <a:blip r:embed="rId2">
+            <a:alphaModFix amt="10000"/>
+            <a:extLst>
+              <a:ext uri="{28A0092B-C50C-407E-A947-70E740481C1C}">
+                <a14:useLocalDpi xmlns:a14="http://schemas.microsoft.com/office/drawing/2010/main" val="0"/>
+              </a:ext>
+            </a:extLst>
+          </a:blip>
+          <a:stretch>
+            <a:fillRect/>
+          </a:stretch>
+        </p:blipFill>
+        <p:spPr>
+          <a:xfrm>
+            <a:off x="-3176" y="0"/>
+            <a:ext cx="12192000" cy="6858000"/>
+          </a:xfrm>
+          <a:prstGeom prst="rect">
+            <a:avLst/>
+          </a:prstGeom>
+        </p:spPr>
+      </p:pic>
+      <p:sp>
+        <p:nvSpPr>
+          <p:cNvPr id="1035" name="Rectangle 1034">
+            <a:extLst>
+              <a:ext uri="{FF2B5EF4-FFF2-40B4-BE49-F238E27FC236}">
+                <a16:creationId xmlns:a16="http://schemas.microsoft.com/office/drawing/2014/main" id="{0FFFD040-32A9-4D2B-86CA-599D030A4161}"/>
+              </a:ext>
+              <a:ext uri="{C183D7F6-B498-43B3-948B-1728B52AA6E4}">
+                <adec:decorative xmlns:adec="http://schemas.microsoft.com/office/drawing/2017/decorative" val="1"/>
+              </a:ext>
+            </a:extLst>
+          </p:cNvPr>
+          <p:cNvSpPr>
+            <a:spLocks noGrp="1" noRot="1" noChangeAspect="1" noMove="1" noResize="1" noEditPoints="1" noAdjustHandles="1" noChangeArrowheads="1" noChangeShapeType="1" noTextEdit="1"/>
+          </p:cNvSpPr>
+          <p:nvPr>
+            <p:extLst>
+              <p:ext uri="{386F3935-93C4-4BCD-93E2-E3B085C9AB24}">
+                <p16:designElem xmlns:p16="http://schemas.microsoft.com/office/powerpoint/2015/main" val="1"/>
+              </p:ext>
+            </p:extLst>
+          </p:nvPr>
+        </p:nvSpPr>
+        <p:spPr>
+          <a:xfrm>
+            <a:off x="4639056" y="0"/>
+            <a:ext cx="7552944" cy="6858001"/>
+          </a:xfrm>
+          <a:prstGeom prst="rect">
+            <a:avLst/>
+          </a:prstGeom>
+          <a:ln>
+            <a:noFill/>
+          </a:ln>
+        </p:spPr>
+        <p:style>
+          <a:lnRef idx="2">
+            <a:schemeClr val="accent1">
+              <a:shade val="50000"/>
+            </a:schemeClr>
+          </a:lnRef>
+          <a:fillRef idx="1">
+            <a:schemeClr val="accent1"/>
+          </a:fillRef>
+          <a:effectRef idx="0">
+            <a:schemeClr val="accent1"/>
+          </a:effectRef>
+          <a:fontRef idx="minor">
+            <a:schemeClr val="lt1"/>
+          </a:fontRef>
+        </p:style>
+        <p:txBody>
+          <a:bodyPr rtlCol="0" anchor="ctr"/>
+          <a:lstStyle/>
+          <a:p>
+            <a:pPr algn="ctr"/>
+            <a:endParaRPr lang="en-US"/>
+          </a:p>
+        </p:txBody>
+      </p:sp>
+      <p:sp>
+        <p:nvSpPr>
+          <p:cNvPr id="1037" name="Rectangle 1036">
+            <a:extLst>
+              <a:ext uri="{FF2B5EF4-FFF2-40B4-BE49-F238E27FC236}">
+                <a16:creationId xmlns:a16="http://schemas.microsoft.com/office/drawing/2014/main" id="{863205CA-B7FF-4C25-A4C8-3BBBCE19D950}"/>
+              </a:ext>
+              <a:ext uri="{C183D7F6-B498-43B3-948B-1728B52AA6E4}">
+                <adec:decorative xmlns:adec="http://schemas.microsoft.com/office/drawing/2017/decorative" val="1"/>
+              </a:ext>
+            </a:extLst>
+          </p:cNvPr>
+          <p:cNvSpPr>
+            <a:spLocks noGrp="1" noRot="1" noChangeAspect="1" noMove="1" noResize="1" noEditPoints="1" noAdjustHandles="1" noChangeArrowheads="1" noChangeShapeType="1" noTextEdit="1"/>
+          </p:cNvSpPr>
+          <p:nvPr>
+            <p:extLst>
+              <p:ext uri="{386F3935-93C4-4BCD-93E2-E3B085C9AB24}">
+                <p16:designElem xmlns:p16="http://schemas.microsoft.com/office/powerpoint/2015/main" val="1"/>
+              </p:ext>
+            </p:extLst>
+          </p:nvPr>
+        </p:nvSpPr>
+        <p:spPr bwMode="grayWhite">
+          <a:xfrm>
+            <a:off x="2" y="609600"/>
+            <a:ext cx="4959094" cy="1368198"/>
+          </a:xfrm>
+          <a:prstGeom prst="rect">
+            <a:avLst/>
+          </a:prstGeom>
+          <a:solidFill>
+            <a:schemeClr val="bg1">
+              <a:lumMod val="85000"/>
+              <a:lumOff val="15000"/>
+            </a:schemeClr>
+          </a:solidFill>
+          <a:ln>
+            <a:noFill/>
+          </a:ln>
+        </p:spPr>
+        <p:style>
+          <a:lnRef idx="2">
+            <a:schemeClr val="accent1">
+              <a:shade val="50000"/>
+            </a:schemeClr>
+          </a:lnRef>
+          <a:fillRef idx="1">
+            <a:schemeClr val="accent1"/>
+          </a:fillRef>
+          <a:effectRef idx="0">
+            <a:schemeClr val="accent1"/>
+          </a:effectRef>
+          <a:fontRef idx="minor">
+            <a:schemeClr val="lt1"/>
+          </a:fontRef>
+        </p:style>
+      </p:sp>
+      <p:sp>
+        <p:nvSpPr>
+          <p:cNvPr id="2" name="Cím 1">
+            <a:extLst>
+              <a:ext uri="{FF2B5EF4-FFF2-40B4-BE49-F238E27FC236}">
+                <a16:creationId xmlns:a16="http://schemas.microsoft.com/office/drawing/2014/main" id="{74BAD42C-43BF-EB33-A95B-B4B2E9A69E81}"/>
+              </a:ext>
+            </a:extLst>
+          </p:cNvPr>
+          <p:cNvSpPr>
+            <a:spLocks noGrp="1"/>
+          </p:cNvSpPr>
+          <p:nvPr>
+            <p:ph type="title"/>
+          </p:nvPr>
+        </p:nvSpPr>
+        <p:spPr>
+          <a:xfrm>
+            <a:off x="680321" y="753228"/>
+            <a:ext cx="4136123" cy="1080938"/>
+          </a:xfrm>
+        </p:spPr>
+        <p:txBody>
+          <a:bodyPr>
+            <a:normAutofit/>
+          </a:bodyPr>
+          <a:lstStyle/>
+          <a:p>
+            <a:r>
+              <a:rPr lang="hu-HU" sz="2400" dirty="0"/>
+              <a:t>Kecskés Zsolt István – Tervezés/Kinézet</a:t>
+            </a:r>
+          </a:p>
+        </p:txBody>
+      </p:sp>
+      <p:pic>
+        <p:nvPicPr>
+          <p:cNvPr id="1039" name="Picture 1038">
+            <a:extLst>
+              <a:ext uri="{FF2B5EF4-FFF2-40B4-BE49-F238E27FC236}">
+                <a16:creationId xmlns:a16="http://schemas.microsoft.com/office/drawing/2014/main" id="{306E3F32-3C1A-4B6E-AF26-8A15A788560F}"/>
+              </a:ext>
+              <a:ext uri="{C183D7F6-B498-43B3-948B-1728B52AA6E4}">
+                <adec:decorative xmlns:adec="http://schemas.microsoft.com/office/drawing/2017/decorative" val="1"/>
+              </a:ext>
+            </a:extLst>
+          </p:cNvPr>
+          <p:cNvPicPr>
+            <a:picLocks noGrp="1" noRot="1" noChangeAspect="1" noMove="1" noResize="1" noEditPoints="1" noAdjustHandles="1" noChangeArrowheads="1" noChangeShapeType="1" noCrop="1"/>
+          </p:cNvPicPr>
+          <p:nvPr>
+            <p:extLst>
+              <p:ext uri="{386F3935-93C4-4BCD-93E2-E3B085C9AB24}">
+                <p16:designElem xmlns:p16="http://schemas.microsoft.com/office/powerpoint/2015/main" val="1"/>
+              </p:ext>
+            </p:extLst>
+          </p:nvPr>
+        </p:nvPicPr>
+        <p:blipFill>
+          <a:blip r:embed="rId3">
+            <a:extLst>
+              <a:ext uri="{28A0092B-C50C-407E-A947-70E740481C1C}">
+                <a14:useLocalDpi xmlns:a14="http://schemas.microsoft.com/office/drawing/2010/main" val="0"/>
+              </a:ext>
+            </a:extLst>
+          </a:blip>
+          <a:stretch>
+            <a:fillRect/>
+          </a:stretch>
+        </p:blipFill>
+        <p:spPr>
+          <a:xfrm>
+            <a:off x="2" y="1970241"/>
+            <a:ext cx="4956048" cy="199787"/>
+          </a:xfrm>
+          <a:prstGeom prst="rect">
+            <a:avLst/>
+          </a:prstGeom>
+        </p:spPr>
+      </p:pic>
+      <p:sp>
+        <p:nvSpPr>
+          <p:cNvPr id="3" name="Tartalom helye 2">
+            <a:extLst>
+              <a:ext uri="{FF2B5EF4-FFF2-40B4-BE49-F238E27FC236}">
+                <a16:creationId xmlns:a16="http://schemas.microsoft.com/office/drawing/2014/main" id="{1EA02E44-5034-FAD9-AD1D-4F44EADAB502}"/>
+              </a:ext>
+            </a:extLst>
+          </p:cNvPr>
+          <p:cNvSpPr>
+            <a:spLocks noGrp="1"/>
+          </p:cNvSpPr>
+          <p:nvPr>
+            <p:ph idx="1"/>
+          </p:nvPr>
+        </p:nvSpPr>
+        <p:spPr>
+          <a:xfrm>
+            <a:off x="680321" y="2336873"/>
+            <a:ext cx="3656289" cy="3599316"/>
+          </a:xfrm>
+        </p:spPr>
+        <p:txBody>
+          <a:bodyPr>
+            <a:normAutofit/>
+          </a:bodyPr>
+          <a:lstStyle/>
+          <a:p>
+            <a:r>
+              <a:rPr lang="hu-HU" sz="1400"/>
+              <a:t>Asztali méret</a:t>
+            </a:r>
+          </a:p>
+          <a:p>
+            <a:r>
+              <a:rPr lang="hu-HU" sz="1400"/>
+              <a:t>Esztétika</a:t>
+            </a:r>
+          </a:p>
+          <a:p>
+            <a:r>
+              <a:rPr lang="hu-HU" sz="1400"/>
+              <a:t>Egyszerűbb kinézet</a:t>
+            </a:r>
+          </a:p>
+          <a:p>
+            <a:endParaRPr lang="hu-HU" sz="1400"/>
+          </a:p>
+        </p:txBody>
+      </p:sp>
+      <p:pic>
+        <p:nvPicPr>
+          <p:cNvPr id="1026" name="Picture 2">
+            <a:extLst>
+              <a:ext uri="{FF2B5EF4-FFF2-40B4-BE49-F238E27FC236}">
+                <a16:creationId xmlns:a16="http://schemas.microsoft.com/office/drawing/2014/main" id="{E270A0C5-D61C-D6CC-D4B2-F66293D9E6CB}"/>
+              </a:ext>
+            </a:extLst>
+          </p:cNvPr>
+          <p:cNvPicPr>
+            <a:picLocks noChangeAspect="1" noChangeArrowheads="1"/>
+          </p:cNvPicPr>
+          <p:nvPr/>
+        </p:nvPicPr>
+        <p:blipFill>
+          <a:blip r:embed="rId4">
+            <a:extLst>
+              <a:ext uri="{28A0092B-C50C-407E-A947-70E740481C1C}">
+                <a14:useLocalDpi xmlns:a14="http://schemas.microsoft.com/office/drawing/2010/main" val="0"/>
+              </a:ext>
+            </a:extLst>
+          </a:blip>
+          <a:stretch>
+            <a:fillRect/>
+          </a:stretch>
+        </p:blipFill>
+        <p:spPr bwMode="auto">
+          <a:xfrm>
+            <a:off x="5276090" y="1665709"/>
+            <a:ext cx="6269479" cy="3526581"/>
+          </a:xfrm>
+          <a:prstGeom prst="rect">
+            <a:avLst/>
+          </a:prstGeom>
+          <a:noFill/>
+          <a:ln>
+            <a:noFill/>
+          </a:ln>
+          <a:effectLst>
+            <a:outerShdw blurRad="76200" dist="63500" dir="5040000" algn="tl" rotWithShape="0">
+              <a:srgbClr val="000000">
+                <a:alpha val="41000"/>
+              </a:srgbClr>
+            </a:outerShdw>
+          </a:effectLst>
+          <a:extLst>
+            <a:ext uri="{909E8E84-426E-40DD-AFC4-6F175D3DCCD1}">
+              <a14:hiddenFill xmlns:a14="http://schemas.microsoft.com/office/drawing/2010/main">
+                <a:solidFill>
+                  <a:srgbClr val="FFFFFF"/>
+                </a:solidFill>
+              </a14:hiddenFill>
+            </a:ext>
+          </a:extLst>
+        </p:spPr>
+      </p:pic>
+    </p:spTree>
+    <p:extLst>
+      <p:ext uri="{BB962C8B-B14F-4D97-AF65-F5344CB8AC3E}">
+        <p14:creationId xmlns:p14="http://schemas.microsoft.com/office/powerpoint/2010/main" val="1361597307"/>
+      </p:ext>
+    </p:extLst>
+  </p:cSld>
+  <p:clrMapOvr>
+    <a:masterClrMapping/>
+  </p:clrMapOvr>
+</p:sld>
+</file>
+
+<file path=ppt/slides/slide7.xml><?xml version="1.0" encoding="utf-8"?>
+<p:sld xmlns:a="http://schemas.openxmlformats.org/drawingml/2006/main" xmlns:r="http://schemas.openxmlformats.org/officeDocument/2006/relationships" xmlns:p="http://schemas.openxmlformats.org/presentationml/2006/main">
+  <p:cSld>
+    <p:bg>
+      <p:bgPr>
+        <a:gradFill rotWithShape="1">
+          <a:gsLst>
+            <a:gs pos="0">
+              <a:srgbClr val="2FE9DF"/>
+            </a:gs>
+            <a:gs pos="50000">
+              <a:schemeClr val="bg2">
+                <a:shade val="100000"/>
+                <a:hueMod val="100000"/>
+                <a:satMod val="110000"/>
+                <a:lumMod val="130000"/>
+              </a:schemeClr>
+            </a:gs>
+            <a:gs pos="100000">
+              <a:schemeClr val="bg2">
+                <a:shade val="78000"/>
+                <a:hueMod val="118000"/>
+                <a:satMod val="120000"/>
+                <a:lumMod val="69000"/>
+              </a:schemeClr>
+            </a:gs>
+          </a:gsLst>
+          <a:lin ang="2520000" scaled="0"/>
+        </a:gradFill>
+        <a:effectLst/>
+      </p:bgPr>
+    </p:bg>
+    <p:spTree>
+      <p:nvGrpSpPr>
+        <p:cNvPr id="1" name=""/>
+        <p:cNvGrpSpPr/>
+        <p:nvPr/>
+      </p:nvGrpSpPr>
+      <p:grpSpPr>
+        <a:xfrm>
+          <a:off x="0" y="0"/>
+          <a:ext cx="0" cy="0"/>
+          <a:chOff x="0" y="0"/>
+          <a:chExt cx="0" cy="0"/>
+        </a:xfrm>
+      </p:grpSpPr>
+      <p:sp useBgFill="1">
+        <p:nvSpPr>
+          <p:cNvPr id="12" name="Rectangle 11">
+            <a:extLst>
+              <a:ext uri="{FF2B5EF4-FFF2-40B4-BE49-F238E27FC236}">
+                <a16:creationId xmlns:a16="http://schemas.microsoft.com/office/drawing/2014/main" id="{8DCA3673-CDE4-40C5-9FA8-F89874CFBA73}"/>
+              </a:ext>
+              <a:ext uri="{C183D7F6-B498-43B3-948B-1728B52AA6E4}">
+                <adec:decorative xmlns:adec="http://schemas.microsoft.com/office/drawing/2017/decorative" val="1"/>
+              </a:ext>
+            </a:extLst>
+          </p:cNvPr>
+          <p:cNvSpPr>
+            <a:spLocks noGrp="1" noRot="1" noChangeAspect="1" noMove="1" noResize="1" noEditPoints="1" noAdjustHandles="1" noChangeArrowheads="1" noChangeShapeType="1" noTextEdit="1"/>
+          </p:cNvSpPr>
+          <p:nvPr>
+            <p:extLst>
+              <p:ext uri="{386F3935-93C4-4BCD-93E2-E3B085C9AB24}">
+                <p16:designElem xmlns:p16="http://schemas.microsoft.com/office/powerpoint/2015/main" val="1"/>
+              </p:ext>
+            </p:extLst>
+          </p:nvPr>
+        </p:nvSpPr>
+        <p:spPr>
+          <a:xfrm>
+            <a:off x="0" y="-1"/>
+            <a:ext cx="12188824" cy="6858001"/>
+          </a:xfrm>
+          <a:prstGeom prst="rect">
+            <a:avLst/>
+          </a:prstGeom>
+        </p:spPr>
+        <p:style>
+          <a:lnRef idx="2">
+            <a:schemeClr val="accent1">
+              <a:shade val="50000"/>
+            </a:schemeClr>
+          </a:lnRef>
+          <a:fillRef idx="1">
+            <a:schemeClr val="accent1"/>
+          </a:fillRef>
+          <a:effectRef idx="0">
+            <a:schemeClr val="accent1"/>
+          </a:effectRef>
+          <a:fontRef idx="minor">
+            <a:schemeClr val="lt1"/>
+          </a:fontRef>
+        </p:style>
+        <p:txBody>
+          <a:bodyPr rtlCol="0" anchor="ctr"/>
+          <a:lstStyle/>
+          <a:p>
+            <a:pPr algn="ctr"/>
+            <a:endParaRPr lang="en-US"/>
+          </a:p>
+        </p:txBody>
+      </p:sp>
+      <p:pic>
+        <p:nvPicPr>
+          <p:cNvPr id="14" name="Picture 13">
+            <a:extLst>
+              <a:ext uri="{FF2B5EF4-FFF2-40B4-BE49-F238E27FC236}">
+                <a16:creationId xmlns:a16="http://schemas.microsoft.com/office/drawing/2014/main" id="{95756E8F-499C-4533-BBE8-309C3E8D985C}"/>
+              </a:ext>
+              <a:ext uri="{C183D7F6-B498-43B3-948B-1728B52AA6E4}">
+                <adec:decorative xmlns:adec="http://schemas.microsoft.com/office/drawing/2017/decorative" val="1"/>
+              </a:ext>
+            </a:extLst>
+          </p:cNvPr>
+          <p:cNvPicPr>
+            <a:picLocks noGrp="1" noRot="1" noChangeAspect="1" noMove="1" noResize="1" noEditPoints="1" noAdjustHandles="1" noChangeArrowheads="1" noChangeShapeType="1" noCrop="1"/>
+          </p:cNvPicPr>
+          <p:nvPr>
+            <p:extLst>
+              <p:ext uri="{386F3935-93C4-4BCD-93E2-E3B085C9AB24}">
+                <p16:designElem xmlns:p16="http://schemas.microsoft.com/office/powerpoint/2015/main" val="1"/>
+              </p:ext>
+            </p:extLst>
+          </p:nvPr>
+        </p:nvPicPr>
+        <p:blipFill>
+          <a:blip r:embed="rId2">
+            <a:alphaModFix amt="10000"/>
+            <a:extLst>
+              <a:ext uri="{28A0092B-C50C-407E-A947-70E740481C1C}">
+                <a14:useLocalDpi xmlns:a14="http://schemas.microsoft.com/office/drawing/2010/main" val="0"/>
+              </a:ext>
+            </a:extLst>
+          </a:blip>
+          <a:stretch>
+            <a:fillRect/>
+          </a:stretch>
+        </p:blipFill>
+        <p:spPr>
+          <a:xfrm>
+            <a:off x="-3176" y="0"/>
+            <a:ext cx="12192000" cy="6858000"/>
+          </a:xfrm>
+          <a:prstGeom prst="rect">
+            <a:avLst/>
+          </a:prstGeom>
+        </p:spPr>
+      </p:pic>
+      <p:sp>
+        <p:nvSpPr>
+          <p:cNvPr id="16" name="Rectangle 15">
+            <a:extLst>
+              <a:ext uri="{FF2B5EF4-FFF2-40B4-BE49-F238E27FC236}">
+                <a16:creationId xmlns:a16="http://schemas.microsoft.com/office/drawing/2014/main" id="{0FFFD040-32A9-4D2B-86CA-599D030A4161}"/>
+              </a:ext>
+              <a:ext uri="{C183D7F6-B498-43B3-948B-1728B52AA6E4}">
+                <adec:decorative xmlns:adec="http://schemas.microsoft.com/office/drawing/2017/decorative" val="1"/>
+              </a:ext>
+            </a:extLst>
+          </p:cNvPr>
+          <p:cNvSpPr>
+            <a:spLocks noGrp="1" noRot="1" noChangeAspect="1" noMove="1" noResize="1" noEditPoints="1" noAdjustHandles="1" noChangeArrowheads="1" noChangeShapeType="1" noTextEdit="1"/>
+          </p:cNvSpPr>
+          <p:nvPr>
+            <p:extLst>
+              <p:ext uri="{386F3935-93C4-4BCD-93E2-E3B085C9AB24}">
+                <p16:designElem xmlns:p16="http://schemas.microsoft.com/office/powerpoint/2015/main" val="1"/>
+              </p:ext>
+            </p:extLst>
+          </p:nvPr>
+        </p:nvSpPr>
+        <p:spPr>
+          <a:xfrm>
+            <a:off x="4639056" y="0"/>
+            <a:ext cx="7552944" cy="6858001"/>
+          </a:xfrm>
+          <a:prstGeom prst="rect">
+            <a:avLst/>
+          </a:prstGeom>
+          <a:ln>
+            <a:noFill/>
+          </a:ln>
+        </p:spPr>
+        <p:style>
+          <a:lnRef idx="2">
+            <a:schemeClr val="accent1">
+              <a:shade val="50000"/>
+            </a:schemeClr>
+          </a:lnRef>
+          <a:fillRef idx="1">
+            <a:schemeClr val="accent1"/>
+          </a:fillRef>
+          <a:effectRef idx="0">
+            <a:schemeClr val="accent1"/>
+          </a:effectRef>
+          <a:fontRef idx="minor">
+            <a:schemeClr val="lt1"/>
+          </a:fontRef>
+        </p:style>
+        <p:txBody>
+          <a:bodyPr rtlCol="0" anchor="ctr"/>
+          <a:lstStyle/>
+          <a:p>
+            <a:pPr algn="ctr"/>
+            <a:endParaRPr lang="en-US"/>
+          </a:p>
+        </p:txBody>
+      </p:sp>
+      <p:sp>
+        <p:nvSpPr>
+          <p:cNvPr id="18" name="Rectangle 17">
+            <a:extLst>
+              <a:ext uri="{FF2B5EF4-FFF2-40B4-BE49-F238E27FC236}">
+                <a16:creationId xmlns:a16="http://schemas.microsoft.com/office/drawing/2014/main" id="{863205CA-B7FF-4C25-A4C8-3BBBCE19D950}"/>
+              </a:ext>
+              <a:ext uri="{C183D7F6-B498-43B3-948B-1728B52AA6E4}">
+                <adec:decorative xmlns:adec="http://schemas.microsoft.com/office/drawing/2017/decorative" val="1"/>
+              </a:ext>
+            </a:extLst>
+          </p:cNvPr>
+          <p:cNvSpPr>
+            <a:spLocks noGrp="1" noRot="1" noChangeAspect="1" noMove="1" noResize="1" noEditPoints="1" noAdjustHandles="1" noChangeArrowheads="1" noChangeShapeType="1" noTextEdit="1"/>
+          </p:cNvSpPr>
+          <p:nvPr>
+            <p:extLst>
+              <p:ext uri="{386F3935-93C4-4BCD-93E2-E3B085C9AB24}">
+                <p16:designElem xmlns:p16="http://schemas.microsoft.com/office/powerpoint/2015/main" val="1"/>
+              </p:ext>
+            </p:extLst>
+          </p:nvPr>
+        </p:nvSpPr>
+        <p:spPr bwMode="grayWhite">
+          <a:xfrm>
+            <a:off x="2" y="609600"/>
+            <a:ext cx="4959094" cy="1368198"/>
+          </a:xfrm>
+          <a:prstGeom prst="rect">
+            <a:avLst/>
+          </a:prstGeom>
+          <a:solidFill>
+            <a:schemeClr val="bg1">
+              <a:lumMod val="85000"/>
+              <a:lumOff val="15000"/>
+            </a:schemeClr>
+          </a:solidFill>
+          <a:ln>
+            <a:noFill/>
+          </a:ln>
+        </p:spPr>
+        <p:style>
+          <a:lnRef idx="2">
+            <a:schemeClr val="accent1">
+              <a:shade val="50000"/>
+            </a:schemeClr>
+          </a:lnRef>
+          <a:fillRef idx="1">
+            <a:schemeClr val="accent1"/>
+          </a:fillRef>
+          <a:effectRef idx="0">
+            <a:schemeClr val="accent1"/>
+          </a:effectRef>
+          <a:fontRef idx="minor">
+            <a:schemeClr val="lt1"/>
+          </a:fontRef>
+        </p:style>
+      </p:sp>
+      <p:sp>
+        <p:nvSpPr>
+          <p:cNvPr id="2" name="Cím 1">
+            <a:extLst>
+              <a:ext uri="{FF2B5EF4-FFF2-40B4-BE49-F238E27FC236}">
+                <a16:creationId xmlns:a16="http://schemas.microsoft.com/office/drawing/2014/main" id="{751E8C74-0597-A965-7BB9-19692C577CEC}"/>
+              </a:ext>
+            </a:extLst>
+          </p:cNvPr>
+          <p:cNvSpPr>
+            <a:spLocks noGrp="1"/>
+          </p:cNvSpPr>
+          <p:nvPr>
+            <p:ph type="title"/>
+          </p:nvPr>
+        </p:nvSpPr>
+        <p:spPr>
+          <a:xfrm>
+            <a:off x="680321" y="753228"/>
+            <a:ext cx="4136123" cy="1080938"/>
+          </a:xfrm>
+        </p:spPr>
+        <p:txBody>
+          <a:bodyPr>
+            <a:normAutofit/>
+          </a:bodyPr>
+          <a:lstStyle/>
+          <a:p>
+            <a:r>
+              <a:rPr lang="hu-HU" sz="2400"/>
+              <a:t>Kecskés Zsolt István – Kód javítás/ellenőrzés</a:t>
+            </a:r>
+          </a:p>
+        </p:txBody>
+      </p:sp>
+      <p:pic>
+        <p:nvPicPr>
+          <p:cNvPr id="20" name="Picture 19">
+            <a:extLst>
+              <a:ext uri="{FF2B5EF4-FFF2-40B4-BE49-F238E27FC236}">
+                <a16:creationId xmlns:a16="http://schemas.microsoft.com/office/drawing/2014/main" id="{306E3F32-3C1A-4B6E-AF26-8A15A788560F}"/>
+              </a:ext>
+              <a:ext uri="{C183D7F6-B498-43B3-948B-1728B52AA6E4}">
+                <adec:decorative xmlns:adec="http://schemas.microsoft.com/office/drawing/2017/decorative" val="1"/>
+              </a:ext>
+            </a:extLst>
+          </p:cNvPr>
+          <p:cNvPicPr>
+            <a:picLocks noGrp="1" noRot="1" noChangeAspect="1" noMove="1" noResize="1" noEditPoints="1" noAdjustHandles="1" noChangeArrowheads="1" noChangeShapeType="1" noCrop="1"/>
+          </p:cNvPicPr>
+          <p:nvPr>
+            <p:extLst>
+              <p:ext uri="{386F3935-93C4-4BCD-93E2-E3B085C9AB24}">
+                <p16:designElem xmlns:p16="http://schemas.microsoft.com/office/powerpoint/2015/main" val="1"/>
+              </p:ext>
+            </p:extLst>
+          </p:nvPr>
+        </p:nvPicPr>
+        <p:blipFill>
+          <a:blip r:embed="rId3">
+            <a:extLst>
+              <a:ext uri="{28A0092B-C50C-407E-A947-70E740481C1C}">
+                <a14:useLocalDpi xmlns:a14="http://schemas.microsoft.com/office/drawing/2010/main" val="0"/>
+              </a:ext>
+            </a:extLst>
+          </a:blip>
+          <a:stretch>
+            <a:fillRect/>
+          </a:stretch>
+        </p:blipFill>
+        <p:spPr>
+          <a:xfrm>
+            <a:off x="2" y="1970241"/>
+            <a:ext cx="4956048" cy="199787"/>
+          </a:xfrm>
+          <a:prstGeom prst="rect">
+            <a:avLst/>
+          </a:prstGeom>
+        </p:spPr>
+      </p:pic>
+      <p:sp>
+        <p:nvSpPr>
+          <p:cNvPr id="3" name="Tartalom helye 2">
+            <a:extLst>
+              <a:ext uri="{FF2B5EF4-FFF2-40B4-BE49-F238E27FC236}">
+                <a16:creationId xmlns:a16="http://schemas.microsoft.com/office/drawing/2014/main" id="{B3DC7A11-3700-10E7-F44F-EA7B96F36008}"/>
+              </a:ext>
+            </a:extLst>
+          </p:cNvPr>
+          <p:cNvSpPr>
+            <a:spLocks noGrp="1"/>
+          </p:cNvSpPr>
+          <p:nvPr>
+            <p:ph idx="1"/>
+          </p:nvPr>
+        </p:nvSpPr>
+        <p:spPr>
+          <a:xfrm>
+            <a:off x="680321" y="2336873"/>
+            <a:ext cx="3656289" cy="3599316"/>
+          </a:xfrm>
+        </p:spPr>
+        <p:txBody>
+          <a:bodyPr>
+            <a:normAutofit/>
+          </a:bodyPr>
+          <a:lstStyle/>
+          <a:p>
+            <a:r>
+              <a:rPr lang="hu-HU" sz="1400"/>
+              <a:t>Névjegy oldal újraírása</a:t>
+            </a:r>
+          </a:p>
+          <a:p>
+            <a:r>
+              <a:rPr lang="hu-HU" sz="1400"/>
+              <a:t>Képek szerkesztése</a:t>
+            </a:r>
+          </a:p>
+          <a:p>
+            <a:r>
+              <a:rPr lang="hu-HU" sz="1400"/>
+              <a:t>Optimalizálás</a:t>
+            </a:r>
+          </a:p>
+        </p:txBody>
+      </p:sp>
+      <p:pic>
+        <p:nvPicPr>
+          <p:cNvPr id="7" name="Kép 6">
+            <a:extLst>
+              <a:ext uri="{FF2B5EF4-FFF2-40B4-BE49-F238E27FC236}">
+                <a16:creationId xmlns:a16="http://schemas.microsoft.com/office/drawing/2014/main" id="{3CA77628-F3CA-64F2-AEBE-40A55B3D5C50}"/>
+              </a:ext>
+            </a:extLst>
+          </p:cNvPr>
+          <p:cNvPicPr>
+            <a:picLocks noChangeAspect="1"/>
+          </p:cNvPicPr>
+          <p:nvPr/>
+        </p:nvPicPr>
+        <p:blipFill>
+          <a:blip r:embed="rId4"/>
+          <a:stretch>
+            <a:fillRect/>
+          </a:stretch>
+        </p:blipFill>
+        <p:spPr>
+          <a:xfrm>
+            <a:off x="5276090" y="1908651"/>
+            <a:ext cx="6269479" cy="3040697"/>
+          </a:xfrm>
+          <a:prstGeom prst="rect">
+            <a:avLst/>
+          </a:prstGeom>
+          <a:ln>
+            <a:noFill/>
+          </a:ln>
+          <a:effectLst>
+            <a:outerShdw blurRad="76200" dist="63500" dir="5040000" algn="tl" rotWithShape="0">
+              <a:srgbClr val="000000">
+                <a:alpha val="41000"/>
+              </a:srgbClr>
+            </a:outerShdw>
+          </a:effectLst>
+        </p:spPr>
+      </p:pic>
+    </p:spTree>
+    <p:extLst>
+      <p:ext uri="{BB962C8B-B14F-4D97-AF65-F5344CB8AC3E}">
+        <p14:creationId xmlns:p14="http://schemas.microsoft.com/office/powerpoint/2010/main" val="2233123681"/>
+      </p:ext>
+    </p:extLst>
+  </p:cSld>
+  <p:clrMapOvr>
+    <a:masterClrMapping/>
+  </p:clrMapOvr>
+</p:sld>
+</file>
+
+<file path=ppt/slides/slide8.xml><?xml version="1.0" encoding="utf-8"?>
+<p:sld xmlns:a="http://schemas.openxmlformats.org/drawingml/2006/main" xmlns:r="http://schemas.openxmlformats.org/officeDocument/2006/relationships" xmlns:p="http://schemas.openxmlformats.org/presentationml/2006/main">
+  <p:cSld>
+    <p:bg>
+      <p:bgPr>
+        <a:gradFill rotWithShape="1">
+          <a:gsLst>
+            <a:gs pos="0">
+              <a:srgbClr val="2FE9DF"/>
+            </a:gs>
+            <a:gs pos="100000">
+              <a:srgbClr val="0B2262"/>
+            </a:gs>
+            <a:gs pos="50000">
+              <a:schemeClr val="bg2">
+                <a:shade val="100000"/>
+                <a:hueMod val="100000"/>
+                <a:satMod val="110000"/>
+                <a:lumMod val="130000"/>
+              </a:schemeClr>
+            </a:gs>
+          </a:gsLst>
+          <a:lin ang="2520000" scaled="0"/>
+        </a:gradFill>
+        <a:effectLst/>
+      </p:bgPr>
+    </p:bg>
+    <p:spTree>
+      <p:nvGrpSpPr>
+        <p:cNvPr id="1" name=""/>
+        <p:cNvGrpSpPr/>
+        <p:nvPr/>
+      </p:nvGrpSpPr>
+      <p:grpSpPr>
+        <a:xfrm>
+          <a:off x="0" y="0"/>
+          <a:ext cx="0" cy="0"/>
+          <a:chOff x="0" y="0"/>
+          <a:chExt cx="0" cy="0"/>
+        </a:xfrm>
+      </p:grpSpPr>
+      <p:sp>
+        <p:nvSpPr>
+          <p:cNvPr id="2" name="Cím 1">
+            <a:extLst>
+              <a:ext uri="{FF2B5EF4-FFF2-40B4-BE49-F238E27FC236}">
+                <a16:creationId xmlns:a16="http://schemas.microsoft.com/office/drawing/2014/main" id="{9FDD8606-5889-6219-3EDF-FFAE4DED6263}"/>
+              </a:ext>
+            </a:extLst>
+          </p:cNvPr>
+          <p:cNvSpPr>
+            <a:spLocks noGrp="1"/>
+          </p:cNvSpPr>
+          <p:nvPr>
+            <p:ph type="title"/>
+          </p:nvPr>
+        </p:nvSpPr>
+        <p:spPr>
+          <a:xfrm>
+            <a:off x="680321" y="753228"/>
+            <a:ext cx="9613861" cy="1080938"/>
+          </a:xfrm>
+        </p:spPr>
+        <p:txBody>
+          <a:bodyPr>
+            <a:normAutofit/>
+          </a:bodyPr>
+          <a:lstStyle/>
+          <a:p>
+            <a:r>
+              <a:rPr lang="hu-HU" dirty="0"/>
+              <a:t>Kecskés Zsolt István – Csapattársak kisegítése</a:t>
+            </a:r>
+          </a:p>
+        </p:txBody>
+      </p:sp>
+      <p:sp>
+        <p:nvSpPr>
+          <p:cNvPr id="3" name="Tartalom helye 2">
+            <a:extLst>
+              <a:ext uri="{FF2B5EF4-FFF2-40B4-BE49-F238E27FC236}">
+                <a16:creationId xmlns:a16="http://schemas.microsoft.com/office/drawing/2014/main" id="{882B5FE2-A679-1A2A-4531-E7675B528228}"/>
+              </a:ext>
+            </a:extLst>
+          </p:cNvPr>
+          <p:cNvSpPr>
+            <a:spLocks noGrp="1"/>
+          </p:cNvSpPr>
+          <p:nvPr>
+            <p:ph idx="1"/>
+          </p:nvPr>
+        </p:nvSpPr>
+        <p:spPr>
+          <a:xfrm>
+            <a:off x="680321" y="2336873"/>
+            <a:ext cx="5211977" cy="3599316"/>
+          </a:xfrm>
+        </p:spPr>
+        <p:txBody>
+          <a:bodyPr>
+            <a:normAutofit/>
+          </a:bodyPr>
+          <a:lstStyle/>
+          <a:p>
+            <a:r>
+              <a:rPr lang="hu-HU" sz="2000"/>
+              <a:t>Főként jóváhagyások</a:t>
+            </a:r>
+          </a:p>
+          <a:p>
+            <a:r>
+              <a:rPr lang="hu-HU" sz="2000"/>
+              <a:t>GitHub Desktop használata</a:t>
+            </a:r>
+          </a:p>
+          <a:p>
+            <a:r>
+              <a:rPr lang="hu-HU" sz="2000"/>
+              <a:t>Kódok ellenőrzése</a:t>
+            </a:r>
+          </a:p>
+        </p:txBody>
+      </p:sp>
+      <p:pic>
+        <p:nvPicPr>
+          <p:cNvPr id="5" name="Kép 4" descr="A képen személy, fal, beltéri, férfi látható&#10;&#10;Automatikusan generált leírás">
+            <a:extLst>
+              <a:ext uri="{FF2B5EF4-FFF2-40B4-BE49-F238E27FC236}">
+                <a16:creationId xmlns:a16="http://schemas.microsoft.com/office/drawing/2014/main" id="{9CB1E18E-FB98-9ABF-E223-447C76927D40}"/>
+              </a:ext>
+            </a:extLst>
+          </p:cNvPr>
+          <p:cNvPicPr>
+            <a:picLocks noChangeAspect="1"/>
+          </p:cNvPicPr>
+          <p:nvPr/>
+        </p:nvPicPr>
+        <p:blipFill rotWithShape="1">
+          <a:blip r:embed="rId2"/>
+          <a:srcRect l="9384" r="5098"/>
+          <a:stretch/>
+        </p:blipFill>
+        <p:spPr>
+          <a:xfrm>
+            <a:off x="6317103" y="2336872"/>
+            <a:ext cx="2692907" cy="3598789"/>
+          </a:xfrm>
+          <a:prstGeom prst="rect">
+            <a:avLst/>
+          </a:prstGeom>
+          <a:ln>
+            <a:noFill/>
+          </a:ln>
+          <a:effectLst>
+            <a:outerShdw blurRad="76200" dist="63500" dir="5040000" algn="tl" rotWithShape="0">
+              <a:srgbClr val="000000">
+                <a:alpha val="41000"/>
+              </a:srgbClr>
+            </a:outerShdw>
+          </a:effectLst>
+        </p:spPr>
+      </p:pic>
+      <p:pic>
+        <p:nvPicPr>
+          <p:cNvPr id="7" name="Kép 6" descr="A képen személy, viselés, vörös, napszemüveg látható&#10;&#10;Automatikusan generált leírás">
+            <a:extLst>
+              <a:ext uri="{FF2B5EF4-FFF2-40B4-BE49-F238E27FC236}">
+                <a16:creationId xmlns:a16="http://schemas.microsoft.com/office/drawing/2014/main" id="{634C4DE0-EEB6-753E-1147-B3A624012B9E}"/>
+              </a:ext>
+            </a:extLst>
+          </p:cNvPr>
+          <p:cNvPicPr>
+            <a:picLocks noChangeAspect="1"/>
+          </p:cNvPicPr>
+          <p:nvPr/>
+        </p:nvPicPr>
+        <p:blipFill rotWithShape="1">
+          <a:blip r:embed="rId3"/>
+          <a:srcRect l="8098" r="6384"/>
+          <a:stretch/>
+        </p:blipFill>
+        <p:spPr>
+          <a:xfrm>
+            <a:off x="9209664" y="2336872"/>
+            <a:ext cx="2692907" cy="3598789"/>
+          </a:xfrm>
+          <a:prstGeom prst="rect">
+            <a:avLst/>
+          </a:prstGeom>
+          <a:ln>
+            <a:noFill/>
+          </a:ln>
+          <a:effectLst>
+            <a:outerShdw blurRad="76200" dist="63500" dir="5040000" algn="tl" rotWithShape="0">
+              <a:srgbClr val="000000">
+                <a:alpha val="41000"/>
+              </a:srgbClr>
+            </a:outerShdw>
+          </a:effectLst>
+        </p:spPr>
+      </p:pic>
+    </p:spTree>
+    <p:extLst>
+      <p:ext uri="{BB962C8B-B14F-4D97-AF65-F5344CB8AC3E}">
+        <p14:creationId xmlns:p14="http://schemas.microsoft.com/office/powerpoint/2010/main" val="3290299798"/>
+      </p:ext>
+    </p:extLst>
+  </p:cSld>
+  <p:clrMapOvr>
+    <a:masterClrMapping/>
+  </p:clrMapOvr>
+</p:sld>
+</file>
+
+<file path=ppt/slides/slide9.xml><?xml version="1.0" encoding="utf-8"?>
+<p:sld xmlns:a="http://schemas.openxmlformats.org/drawingml/2006/main" xmlns:r="http://schemas.openxmlformats.org/officeDocument/2006/relationships" xmlns:p="http://schemas.openxmlformats.org/presentationml/2006/main">
+  <p:cSld>
+    <p:bg>
+      <p:bgPr>
+        <a:gradFill rotWithShape="1">
+          <a:gsLst>
+            <a:gs pos="0">
+              <a:schemeClr val="bg2">
+                <a:tint val="96000"/>
+                <a:shade val="100000"/>
+                <a:hueMod val="92000"/>
+                <a:satMod val="200000"/>
+                <a:lumMod val="128000"/>
+              </a:schemeClr>
+            </a:gs>
+            <a:gs pos="50000">
+              <a:schemeClr val="bg2">
+                <a:shade val="100000"/>
+                <a:hueMod val="100000"/>
+                <a:satMod val="110000"/>
+                <a:lumMod val="130000"/>
+              </a:schemeClr>
+            </a:gs>
+            <a:gs pos="100000">
+              <a:schemeClr val="bg2">
+                <a:shade val="78000"/>
+                <a:hueMod val="118000"/>
+                <a:satMod val="120000"/>
+                <a:lumMod val="69000"/>
+              </a:schemeClr>
+            </a:gs>
+          </a:gsLst>
+          <a:lin ang="2520000" scaled="0"/>
+        </a:gradFill>
+        <a:effectLst/>
+      </p:bgPr>
+    </p:bg>
+    <p:spTree>
+      <p:nvGrpSpPr>
+        <p:cNvPr id="1" name=""/>
+        <p:cNvGrpSpPr/>
+        <p:nvPr/>
+      </p:nvGrpSpPr>
+      <p:grpSpPr>
+        <a:xfrm>
+          <a:off x="0" y="0"/>
+          <a:ext cx="0" cy="0"/>
+          <a:chOff x="0" y="0"/>
+          <a:chExt cx="0" cy="0"/>
+        </a:xfrm>
+      </p:grpSpPr>
+      <p:sp useBgFill="1">
+        <p:nvSpPr>
+          <p:cNvPr id="12" name="Rectangle 11">
+            <a:extLst>
+              <a:ext uri="{FF2B5EF4-FFF2-40B4-BE49-F238E27FC236}">
+                <a16:creationId xmlns:a16="http://schemas.microsoft.com/office/drawing/2014/main" id="{8DCA3673-CDE4-40C5-9FA8-F89874CFBA73}"/>
+              </a:ext>
+              <a:ext uri="{C183D7F6-B498-43B3-948B-1728B52AA6E4}">
+                <adec:decorative xmlns:adec="http://schemas.microsoft.com/office/drawing/2017/decorative" val="1"/>
+              </a:ext>
+            </a:extLst>
+          </p:cNvPr>
+          <p:cNvSpPr>
+            <a:spLocks noGrp="1" noRot="1" noChangeAspect="1" noMove="1" noResize="1" noEditPoints="1" noAdjustHandles="1" noChangeArrowheads="1" noChangeShapeType="1" noTextEdit="1"/>
+          </p:cNvSpPr>
+          <p:nvPr>
+            <p:extLst>
+              <p:ext uri="{386F3935-93C4-4BCD-93E2-E3B085C9AB24}">
+                <p16:designElem xmlns:p16="http://schemas.microsoft.com/office/powerpoint/2015/main" val="1"/>
+              </p:ext>
+            </p:extLst>
+          </p:nvPr>
+        </p:nvSpPr>
+        <p:spPr>
+          <a:xfrm>
+            <a:off x="0" y="-1"/>
+            <a:ext cx="12188824" cy="6858001"/>
+          </a:xfrm>
+          <a:prstGeom prst="rect">
+            <a:avLst/>
+          </a:prstGeom>
+        </p:spPr>
+        <p:style>
+          <a:lnRef idx="2">
+            <a:schemeClr val="accent1">
+              <a:shade val="50000"/>
+            </a:schemeClr>
+          </a:lnRef>
+          <a:fillRef idx="1">
+            <a:schemeClr val="accent1"/>
+          </a:fillRef>
+          <a:effectRef idx="0">
+            <a:schemeClr val="accent1"/>
+          </a:effectRef>
+          <a:fontRef idx="minor">
+            <a:schemeClr val="lt1"/>
+          </a:fontRef>
+        </p:style>
+        <p:txBody>
+          <a:bodyPr rtlCol="0" anchor="ctr"/>
+          <a:lstStyle/>
+          <a:p>
+            <a:pPr algn="ctr"/>
+            <a:endParaRPr lang="en-US"/>
+          </a:p>
+        </p:txBody>
+      </p:sp>
+      <p:pic>
+        <p:nvPicPr>
+          <p:cNvPr id="14" name="Picture 13">
+            <a:extLst>
+              <a:ext uri="{FF2B5EF4-FFF2-40B4-BE49-F238E27FC236}">
+                <a16:creationId xmlns:a16="http://schemas.microsoft.com/office/drawing/2014/main" id="{95756E8F-499C-4533-BBE8-309C3E8D985C}"/>
+              </a:ext>
+              <a:ext uri="{C183D7F6-B498-43B3-948B-1728B52AA6E4}">
+                <adec:decorative xmlns:adec="http://schemas.microsoft.com/office/drawing/2017/decorative" val="1"/>
+              </a:ext>
+            </a:extLst>
+          </p:cNvPr>
+          <p:cNvPicPr>
+            <a:picLocks noGrp="1" noRot="1" noChangeAspect="1" noMove="1" noResize="1" noEditPoints="1" noAdjustHandles="1" noChangeArrowheads="1" noChangeShapeType="1" noCrop="1"/>
+          </p:cNvPicPr>
+          <p:nvPr>
+            <p:extLst>
+              <p:ext uri="{386F3935-93C4-4BCD-93E2-E3B085C9AB24}">
+                <p16:designElem xmlns:p16="http://schemas.microsoft.com/office/powerpoint/2015/main" val="1"/>
+              </p:ext>
+            </p:extLst>
+          </p:nvPr>
+        </p:nvPicPr>
+        <p:blipFill>
+          <a:blip r:embed="rId2">
+            <a:alphaModFix amt="10000"/>
+            <a:extLst>
+              <a:ext uri="{28A0092B-C50C-407E-A947-70E740481C1C}">
+                <a14:useLocalDpi xmlns:a14="http://schemas.microsoft.com/office/drawing/2010/main" val="0"/>
+              </a:ext>
+            </a:extLst>
+          </a:blip>
+          <a:stretch>
+            <a:fillRect/>
+          </a:stretch>
+        </p:blipFill>
+        <p:spPr>
+          <a:xfrm>
+            <a:off x="-3176" y="0"/>
+            <a:ext cx="12192000" cy="6858000"/>
+          </a:xfrm>
+          <a:prstGeom prst="rect">
+            <a:avLst/>
+          </a:prstGeom>
+        </p:spPr>
+      </p:pic>
+      <p:sp>
+        <p:nvSpPr>
+          <p:cNvPr id="16" name="Rectangle 15">
+            <a:extLst>
+              <a:ext uri="{FF2B5EF4-FFF2-40B4-BE49-F238E27FC236}">
+                <a16:creationId xmlns:a16="http://schemas.microsoft.com/office/drawing/2014/main" id="{0FFFD040-32A9-4D2B-86CA-599D030A4161}"/>
+              </a:ext>
+              <a:ext uri="{C183D7F6-B498-43B3-948B-1728B52AA6E4}">
+                <adec:decorative xmlns:adec="http://schemas.microsoft.com/office/drawing/2017/decorative" val="1"/>
+              </a:ext>
+            </a:extLst>
+          </p:cNvPr>
+          <p:cNvSpPr>
+            <a:spLocks noGrp="1" noRot="1" noChangeAspect="1" noMove="1" noResize="1" noEditPoints="1" noAdjustHandles="1" noChangeArrowheads="1" noChangeShapeType="1" noTextEdit="1"/>
+          </p:cNvSpPr>
+          <p:nvPr>
+            <p:extLst>
+              <p:ext uri="{386F3935-93C4-4BCD-93E2-E3B085C9AB24}">
+                <p16:designElem xmlns:p16="http://schemas.microsoft.com/office/powerpoint/2015/main" val="1"/>
+              </p:ext>
+            </p:extLst>
+          </p:nvPr>
+        </p:nvSpPr>
+        <p:spPr>
+          <a:xfrm>
+            <a:off x="4639056" y="0"/>
+            <a:ext cx="7552944" cy="6858001"/>
+          </a:xfrm>
+          <a:prstGeom prst="rect">
+            <a:avLst/>
+          </a:prstGeom>
+          <a:ln>
+            <a:noFill/>
+          </a:ln>
+        </p:spPr>
+        <p:style>
+          <a:lnRef idx="2">
+            <a:schemeClr val="accent1">
+              <a:shade val="50000"/>
+            </a:schemeClr>
+          </a:lnRef>
+          <a:fillRef idx="1">
+            <a:schemeClr val="accent1"/>
+          </a:fillRef>
+          <a:effectRef idx="0">
+            <a:schemeClr val="accent1"/>
+          </a:effectRef>
+          <a:fontRef idx="minor">
+            <a:schemeClr val="lt1"/>
+          </a:fontRef>
+        </p:style>
+        <p:txBody>
+          <a:bodyPr rtlCol="0" anchor="ctr"/>
+          <a:lstStyle/>
+          <a:p>
+            <a:pPr algn="ctr"/>
+            <a:endParaRPr lang="en-US"/>
+          </a:p>
+        </p:txBody>
+      </p:sp>
+      <p:sp>
+        <p:nvSpPr>
+          <p:cNvPr id="18" name="Rectangle 17">
+            <a:extLst>
+              <a:ext uri="{FF2B5EF4-FFF2-40B4-BE49-F238E27FC236}">
+                <a16:creationId xmlns:a16="http://schemas.microsoft.com/office/drawing/2014/main" id="{863205CA-B7FF-4C25-A4C8-3BBBCE19D950}"/>
+              </a:ext>
+              <a:ext uri="{C183D7F6-B498-43B3-948B-1728B52AA6E4}">
+                <adec:decorative xmlns:adec="http://schemas.microsoft.com/office/drawing/2017/decorative" val="1"/>
+              </a:ext>
+            </a:extLst>
+          </p:cNvPr>
+          <p:cNvSpPr>
+            <a:spLocks noGrp="1" noRot="1" noChangeAspect="1" noMove="1" noResize="1" noEditPoints="1" noAdjustHandles="1" noChangeArrowheads="1" noChangeShapeType="1" noTextEdit="1"/>
+          </p:cNvSpPr>
+          <p:nvPr>
+            <p:extLst>
+              <p:ext uri="{386F3935-93C4-4BCD-93E2-E3B085C9AB24}">
+                <p16:designElem xmlns:p16="http://schemas.microsoft.com/office/powerpoint/2015/main" val="1"/>
+              </p:ext>
+            </p:extLst>
+          </p:nvPr>
+        </p:nvSpPr>
+        <p:spPr bwMode="grayWhite">
+          <a:xfrm>
+            <a:off x="2" y="609600"/>
+            <a:ext cx="4959094" cy="1368198"/>
+          </a:xfrm>
+          <a:prstGeom prst="rect">
+            <a:avLst/>
+          </a:prstGeom>
+          <a:solidFill>
+            <a:schemeClr val="bg1">
+              <a:lumMod val="85000"/>
+              <a:lumOff val="15000"/>
+            </a:schemeClr>
+          </a:solidFill>
+          <a:ln>
+            <a:noFill/>
+          </a:ln>
+        </p:spPr>
+        <p:style>
+          <a:lnRef idx="2">
+            <a:schemeClr val="accent1">
+              <a:shade val="50000"/>
+            </a:schemeClr>
+          </a:lnRef>
+          <a:fillRef idx="1">
+            <a:schemeClr val="accent1"/>
+          </a:fillRef>
+          <a:effectRef idx="0">
+            <a:schemeClr val="accent1"/>
+          </a:effectRef>
+          <a:fontRef idx="minor">
+            <a:schemeClr val="lt1"/>
+          </a:fontRef>
+        </p:style>
+      </p:sp>
+      <p:sp>
+        <p:nvSpPr>
+          <p:cNvPr id="2" name="Cím 1">
+            <a:extLst>
+              <a:ext uri="{FF2B5EF4-FFF2-40B4-BE49-F238E27FC236}">
+                <a16:creationId xmlns:a16="http://schemas.microsoft.com/office/drawing/2014/main" id="{924250D2-1CFD-4AB0-7E42-88AA3C481A08}"/>
+              </a:ext>
+            </a:extLst>
+          </p:cNvPr>
+          <p:cNvSpPr>
+            <a:spLocks noGrp="1"/>
+          </p:cNvSpPr>
+          <p:nvPr>
+            <p:ph type="title"/>
+          </p:nvPr>
+        </p:nvSpPr>
+        <p:spPr>
+          <a:xfrm>
+            <a:off x="680321" y="753228"/>
+            <a:ext cx="4136123" cy="1080938"/>
+          </a:xfrm>
+        </p:spPr>
+        <p:txBody>
+          <a:bodyPr>
+            <a:normAutofit/>
+          </a:bodyPr>
+          <a:lstStyle/>
+          <a:p>
+            <a:r>
+              <a:rPr lang="hu-HU" sz="2400" dirty="0"/>
+              <a:t>Kecskés Zsolt István – JS</a:t>
+            </a:r>
+          </a:p>
+        </p:txBody>
+      </p:sp>
+      <p:pic>
+        <p:nvPicPr>
+          <p:cNvPr id="20" name="Picture 19">
+            <a:extLst>
+              <a:ext uri="{FF2B5EF4-FFF2-40B4-BE49-F238E27FC236}">
+                <a16:creationId xmlns:a16="http://schemas.microsoft.com/office/drawing/2014/main" id="{306E3F32-3C1A-4B6E-AF26-8A15A788560F}"/>
+              </a:ext>
+              <a:ext uri="{C183D7F6-B498-43B3-948B-1728B52AA6E4}">
+                <adec:decorative xmlns:adec="http://schemas.microsoft.com/office/drawing/2017/decorative" val="1"/>
+              </a:ext>
+            </a:extLst>
+          </p:cNvPr>
+          <p:cNvPicPr>
+            <a:picLocks noGrp="1" noRot="1" noChangeAspect="1" noMove="1" noResize="1" noEditPoints="1" noAdjustHandles="1" noChangeArrowheads="1" noChangeShapeType="1" noCrop="1"/>
+          </p:cNvPicPr>
+          <p:nvPr>
+            <p:extLst>
+              <p:ext uri="{386F3935-93C4-4BCD-93E2-E3B085C9AB24}">
+                <p16:designElem xmlns:p16="http://schemas.microsoft.com/office/powerpoint/2015/main" val="1"/>
+              </p:ext>
+            </p:extLst>
+          </p:nvPr>
+        </p:nvPicPr>
+        <p:blipFill>
+          <a:blip r:embed="rId3">
+            <a:extLst>
+              <a:ext uri="{28A0092B-C50C-407E-A947-70E740481C1C}">
+                <a14:useLocalDpi xmlns:a14="http://schemas.microsoft.com/office/drawing/2010/main" val="0"/>
+              </a:ext>
+            </a:extLst>
+          </a:blip>
+          <a:stretch>
+            <a:fillRect/>
+          </a:stretch>
+        </p:blipFill>
+        <p:spPr>
+          <a:xfrm>
+            <a:off x="2" y="1970241"/>
+            <a:ext cx="4956048" cy="199787"/>
+          </a:xfrm>
+          <a:prstGeom prst="rect">
+            <a:avLst/>
+          </a:prstGeom>
+        </p:spPr>
+      </p:pic>
+      <p:sp>
+        <p:nvSpPr>
+          <p:cNvPr id="3" name="Tartalom helye 2">
+            <a:extLst>
+              <a:ext uri="{FF2B5EF4-FFF2-40B4-BE49-F238E27FC236}">
+                <a16:creationId xmlns:a16="http://schemas.microsoft.com/office/drawing/2014/main" id="{9E347F95-2023-20C7-41DA-48E422C706AB}"/>
+              </a:ext>
+            </a:extLst>
+          </p:cNvPr>
+          <p:cNvSpPr>
+            <a:spLocks noGrp="1"/>
+          </p:cNvSpPr>
+          <p:nvPr>
+            <p:ph idx="1"/>
+          </p:nvPr>
+        </p:nvSpPr>
+        <p:spPr>
+          <a:xfrm>
+            <a:off x="680321" y="2336873"/>
+            <a:ext cx="3656289" cy="3599316"/>
+          </a:xfrm>
+        </p:spPr>
+        <p:txBody>
+          <a:bodyPr>
+            <a:normAutofit/>
+          </a:bodyPr>
+          <a:lstStyle/>
+          <a:p>
+            <a:r>
+              <a:rPr lang="hu-HU" sz="1400" dirty="0"/>
+              <a:t>Eleinte frusztráló</a:t>
+            </a:r>
+          </a:p>
+          <a:p>
+            <a:r>
+              <a:rPr lang="hu-HU" sz="1400" dirty="0"/>
+              <a:t>Összesen 7 eljárás</a:t>
+            </a:r>
+          </a:p>
+          <a:p>
+            <a:r>
+              <a:rPr lang="hu-HU" sz="1400" dirty="0"/>
+              <a:t>Utólag optimalizálás</a:t>
+            </a:r>
+          </a:p>
+        </p:txBody>
+      </p:sp>
+      <p:pic>
+        <p:nvPicPr>
+          <p:cNvPr id="7" name="Kép 6" descr="A képen szöveg, képernyő látható&#10;&#10;Automatikusan generált leírás">
+            <a:extLst>
+              <a:ext uri="{FF2B5EF4-FFF2-40B4-BE49-F238E27FC236}">
+                <a16:creationId xmlns:a16="http://schemas.microsoft.com/office/drawing/2014/main" id="{1EF799A6-F235-763C-2006-DD8D2711DA9D}"/>
+              </a:ext>
+            </a:extLst>
+          </p:cNvPr>
+          <p:cNvPicPr>
+            <a:picLocks noChangeAspect="1"/>
+          </p:cNvPicPr>
+          <p:nvPr/>
+        </p:nvPicPr>
+        <p:blipFill>
+          <a:blip r:embed="rId4"/>
+          <a:stretch>
+            <a:fillRect/>
+          </a:stretch>
+        </p:blipFill>
+        <p:spPr>
+          <a:xfrm>
+            <a:off x="5276090" y="1397085"/>
+            <a:ext cx="6269479" cy="4063830"/>
+          </a:xfrm>
+          <a:prstGeom prst="rect">
+            <a:avLst/>
+          </a:prstGeom>
+          <a:ln>
+            <a:noFill/>
+          </a:ln>
+          <a:effectLst>
+            <a:outerShdw blurRad="76200" dist="63500" dir="5040000" algn="tl" rotWithShape="0">
+              <a:srgbClr val="000000">
+                <a:alpha val="41000"/>
+              </a:srgbClr>
+            </a:outerShdw>
+          </a:effectLst>
+        </p:spPr>
+      </p:pic>
+    </p:spTree>
+    <p:extLst>
+      <p:ext uri="{BB962C8B-B14F-4D97-AF65-F5344CB8AC3E}">
+        <p14:creationId xmlns:p14="http://schemas.microsoft.com/office/powerpoint/2010/main" val="3101624993"/>
       </p:ext>
     </p:extLst>
   </p:cSld>
